--- a/docs/SDG Connector Implementation.pptx
+++ b/docs/SDG Connector Implementation.pptx
@@ -7,6 +7,13 @@
   <p:sldIdLst>
     <p:sldId id="256" r:id="rId2"/>
     <p:sldId id="257" r:id="rId3"/>
+    <p:sldId id="258" r:id="rId4"/>
+    <p:sldId id="259" r:id="rId5"/>
+    <p:sldId id="260" r:id="rId6"/>
+    <p:sldId id="261" r:id="rId7"/>
+    <p:sldId id="262" r:id="rId8"/>
+    <p:sldId id="263" r:id="rId9"/>
+    <p:sldId id="264" r:id="rId10"/>
   </p:sldIdLst>
   <p:sldSz cx="12192000" cy="6858000"/>
   <p:notesSz cx="6858000" cy="9144000"/>
@@ -105,6 +112,11 @@
       </a:defRPr>
     </a:lvl9pPr>
   </p:defaultTextStyle>
+  <p:extLst>
+    <p:ext uri="{EFAFB233-063F-42B5-8137-9DF3F51BA10A}">
+      <p15:sldGuideLst xmlns:p15="http://schemas.microsoft.com/office/powerpoint/2012/main"/>
+    </p:ext>
+  </p:extLst>
 </p:presentation>
 </file>
 
@@ -257,7 +269,7 @@
           <a:p>
             <a:fld id="{1BF4F5D0-200B-495B-A6FE-3F417A7C4376}" type="datetimeFigureOut">
               <a:rPr lang="de-AT" smtClean="0"/>
-              <a:t>30.03.2023</a:t>
+              <a:t>03.05.2023</a:t>
             </a:fld>
             <a:endParaRPr lang="de-AT"/>
           </a:p>
@@ -457,7 +469,7 @@
           <a:p>
             <a:fld id="{1BF4F5D0-200B-495B-A6FE-3F417A7C4376}" type="datetimeFigureOut">
               <a:rPr lang="de-AT" smtClean="0"/>
-              <a:t>30.03.2023</a:t>
+              <a:t>03.05.2023</a:t>
             </a:fld>
             <a:endParaRPr lang="de-AT"/>
           </a:p>
@@ -667,7 +679,7 @@
           <a:p>
             <a:fld id="{1BF4F5D0-200B-495B-A6FE-3F417A7C4376}" type="datetimeFigureOut">
               <a:rPr lang="de-AT" smtClean="0"/>
-              <a:t>30.03.2023</a:t>
+              <a:t>03.05.2023</a:t>
             </a:fld>
             <a:endParaRPr lang="de-AT"/>
           </a:p>
@@ -867,7 +879,7 @@
           <a:p>
             <a:fld id="{1BF4F5D0-200B-495B-A6FE-3F417A7C4376}" type="datetimeFigureOut">
               <a:rPr lang="de-AT" smtClean="0"/>
-              <a:t>30.03.2023</a:t>
+              <a:t>03.05.2023</a:t>
             </a:fld>
             <a:endParaRPr lang="de-AT"/>
           </a:p>
@@ -1143,7 +1155,7 @@
           <a:p>
             <a:fld id="{1BF4F5D0-200B-495B-A6FE-3F417A7C4376}" type="datetimeFigureOut">
               <a:rPr lang="de-AT" smtClean="0"/>
-              <a:t>30.03.2023</a:t>
+              <a:t>03.05.2023</a:t>
             </a:fld>
             <a:endParaRPr lang="de-AT"/>
           </a:p>
@@ -1411,7 +1423,7 @@
           <a:p>
             <a:fld id="{1BF4F5D0-200B-495B-A6FE-3F417A7C4376}" type="datetimeFigureOut">
               <a:rPr lang="de-AT" smtClean="0"/>
-              <a:t>30.03.2023</a:t>
+              <a:t>03.05.2023</a:t>
             </a:fld>
             <a:endParaRPr lang="de-AT"/>
           </a:p>
@@ -1826,7 +1838,7 @@
           <a:p>
             <a:fld id="{1BF4F5D0-200B-495B-A6FE-3F417A7C4376}" type="datetimeFigureOut">
               <a:rPr lang="de-AT" smtClean="0"/>
-              <a:t>30.03.2023</a:t>
+              <a:t>03.05.2023</a:t>
             </a:fld>
             <a:endParaRPr lang="de-AT"/>
           </a:p>
@@ -1968,7 +1980,7 @@
           <a:p>
             <a:fld id="{1BF4F5D0-200B-495B-A6FE-3F417A7C4376}" type="datetimeFigureOut">
               <a:rPr lang="de-AT" smtClean="0"/>
-              <a:t>30.03.2023</a:t>
+              <a:t>03.05.2023</a:t>
             </a:fld>
             <a:endParaRPr lang="de-AT"/>
           </a:p>
@@ -2081,7 +2093,7 @@
           <a:p>
             <a:fld id="{1BF4F5D0-200B-495B-A6FE-3F417A7C4376}" type="datetimeFigureOut">
               <a:rPr lang="de-AT" smtClean="0"/>
-              <a:t>30.03.2023</a:t>
+              <a:t>03.05.2023</a:t>
             </a:fld>
             <a:endParaRPr lang="de-AT"/>
           </a:p>
@@ -2394,7 +2406,7 @@
           <a:p>
             <a:fld id="{1BF4F5D0-200B-495B-A6FE-3F417A7C4376}" type="datetimeFigureOut">
               <a:rPr lang="de-AT" smtClean="0"/>
-              <a:t>30.03.2023</a:t>
+              <a:t>03.05.2023</a:t>
             </a:fld>
             <a:endParaRPr lang="de-AT"/>
           </a:p>
@@ -2683,7 +2695,7 @@
           <a:p>
             <a:fld id="{1BF4F5D0-200B-495B-A6FE-3F417A7C4376}" type="datetimeFigureOut">
               <a:rPr lang="de-AT" smtClean="0"/>
-              <a:t>30.03.2023</a:t>
+              <a:t>03.05.2023</a:t>
             </a:fld>
             <a:endParaRPr lang="de-AT"/>
           </a:p>
@@ -2926,7 +2938,7 @@
           <a:p>
             <a:fld id="{1BF4F5D0-200B-495B-A6FE-3F417A7C4376}" type="datetimeFigureOut">
               <a:rPr lang="de-AT" smtClean="0"/>
-              <a:t>30.03.2023</a:t>
+              <a:t>03.05.2023</a:t>
             </a:fld>
             <a:endParaRPr lang="de-AT"/>
           </a:p>
@@ -3431,10 +3443,10 @@
       </p:grpSpPr>
       <p:sp>
         <p:nvSpPr>
-          <p:cNvPr id="38" name="Rechteck 37">
-            <a:extLst>
-              <a:ext uri="{FF2B5EF4-FFF2-40B4-BE49-F238E27FC236}">
-                <a16:creationId xmlns:a16="http://schemas.microsoft.com/office/drawing/2014/main" id="{AFD67D56-909F-6D5D-A690-C4CBC5E4DB95}"/>
+          <p:cNvPr id="5" name="Rechteck 4">
+            <a:extLst>
+              <a:ext uri="{FF2B5EF4-FFF2-40B4-BE49-F238E27FC236}">
+                <a16:creationId xmlns:a16="http://schemas.microsoft.com/office/drawing/2014/main" id="{1047A08E-E425-E333-C325-9FC14E2C55B1}"/>
               </a:ext>
             </a:extLst>
           </p:cNvPr>
@@ -3443,8 +3455,170 @@
         </p:nvSpPr>
         <p:spPr>
           <a:xfrm>
-            <a:off x="3855308" y="348648"/>
-            <a:ext cx="3772932" cy="4709388"/>
+            <a:off x="7839742" y="407895"/>
+            <a:ext cx="2058020" cy="2076832"/>
+          </a:xfrm>
+          <a:prstGeom prst="rect">
+            <a:avLst/>
+          </a:prstGeom>
+          <a:solidFill>
+            <a:srgbClr val="FF0000">
+              <a:alpha val="28000"/>
+            </a:srgbClr>
+          </a:solidFill>
+          <a:ln>
+            <a:solidFill>
+              <a:srgbClr val="C00000"/>
+            </a:solidFill>
+          </a:ln>
+        </p:spPr>
+        <p:style>
+          <a:lnRef idx="2">
+            <a:schemeClr val="accent1">
+              <a:shade val="50000"/>
+            </a:schemeClr>
+          </a:lnRef>
+          <a:fillRef idx="1">
+            <a:schemeClr val="accent1"/>
+          </a:fillRef>
+          <a:effectRef idx="0">
+            <a:schemeClr val="accent1"/>
+          </a:effectRef>
+          <a:fontRef idx="minor">
+            <a:schemeClr val="lt1"/>
+          </a:fontRef>
+        </p:style>
+        <p:txBody>
+          <a:bodyPr vert="horz" rtlCol="0" anchor="t"/>
+          <a:lstStyle/>
+          <a:p>
+            <a:pPr algn="ctr"/>
+            <a:r>
+              <a:rPr lang="de-AT" dirty="0"/>
+              <a:t>DE Teil</a:t>
+            </a:r>
+          </a:p>
+        </p:txBody>
+      </p:sp>
+      <p:sp>
+        <p:nvSpPr>
+          <p:cNvPr id="3" name="Rechteck 2">
+            <a:extLst>
+              <a:ext uri="{FF2B5EF4-FFF2-40B4-BE49-F238E27FC236}">
+                <a16:creationId xmlns:a16="http://schemas.microsoft.com/office/drawing/2014/main" id="{F0767392-7513-2E01-24E9-A4DE5ECD865C}"/>
+              </a:ext>
+            </a:extLst>
+          </p:cNvPr>
+          <p:cNvSpPr/>
+          <p:nvPr/>
+        </p:nvSpPr>
+        <p:spPr>
+          <a:xfrm>
+            <a:off x="127980" y="610602"/>
+            <a:ext cx="3216582" cy="4709390"/>
+          </a:xfrm>
+          <a:prstGeom prst="rect">
+            <a:avLst/>
+          </a:prstGeom>
+          <a:solidFill>
+            <a:srgbClr val="FF0000">
+              <a:alpha val="28000"/>
+            </a:srgbClr>
+          </a:solidFill>
+          <a:ln>
+            <a:solidFill>
+              <a:srgbClr val="C00000"/>
+            </a:solidFill>
+          </a:ln>
+        </p:spPr>
+        <p:style>
+          <a:lnRef idx="2">
+            <a:schemeClr val="accent1">
+              <a:shade val="50000"/>
+            </a:schemeClr>
+          </a:lnRef>
+          <a:fillRef idx="1">
+            <a:schemeClr val="accent1"/>
+          </a:fillRef>
+          <a:effectRef idx="0">
+            <a:schemeClr val="accent1"/>
+          </a:effectRef>
+          <a:fontRef idx="minor">
+            <a:schemeClr val="lt1"/>
+          </a:fontRef>
+        </p:style>
+        <p:txBody>
+          <a:bodyPr vert="horz" rtlCol="0" anchor="t"/>
+          <a:lstStyle/>
+          <a:p>
+            <a:pPr algn="ctr"/>
+            <a:r>
+              <a:rPr lang="de-AT" dirty="0"/>
+              <a:t>DE Teil</a:t>
+            </a:r>
+          </a:p>
+        </p:txBody>
+      </p:sp>
+      <p:sp>
+        <p:nvSpPr>
+          <p:cNvPr id="2" name="Rechteck 1">
+            <a:extLst>
+              <a:ext uri="{FF2B5EF4-FFF2-40B4-BE49-F238E27FC236}">
+                <a16:creationId xmlns:a16="http://schemas.microsoft.com/office/drawing/2014/main" id="{C7CFB238-8F08-0A95-16F0-F9C42EDAA4FF}"/>
+              </a:ext>
+            </a:extLst>
+          </p:cNvPr>
+          <p:cNvSpPr/>
+          <p:nvPr/>
+        </p:nvSpPr>
+        <p:spPr>
+          <a:xfrm>
+            <a:off x="3352798" y="3429000"/>
+            <a:ext cx="6549081" cy="1890991"/>
+          </a:xfrm>
+          <a:prstGeom prst="rect">
+            <a:avLst/>
+          </a:prstGeom>
+        </p:spPr>
+        <p:style>
+          <a:lnRef idx="1">
+            <a:schemeClr val="accent6"/>
+          </a:lnRef>
+          <a:fillRef idx="2">
+            <a:schemeClr val="accent6"/>
+          </a:fillRef>
+          <a:effectRef idx="1">
+            <a:schemeClr val="accent6"/>
+          </a:effectRef>
+          <a:fontRef idx="minor">
+            <a:schemeClr val="dk1"/>
+          </a:fontRef>
+        </p:style>
+        <p:txBody>
+          <a:bodyPr rtlCol="0" anchor="ctr"/>
+          <a:lstStyle/>
+          <a:p>
+            <a:pPr algn="ctr"/>
+            <a:endParaRPr lang="de-AT"/>
+          </a:p>
+        </p:txBody>
+      </p:sp>
+      <p:sp>
+        <p:nvSpPr>
+          <p:cNvPr id="38" name="Rechteck 37">
+            <a:extLst>
+              <a:ext uri="{FF2B5EF4-FFF2-40B4-BE49-F238E27FC236}">
+                <a16:creationId xmlns:a16="http://schemas.microsoft.com/office/drawing/2014/main" id="{AFD67D56-909F-6D5D-A690-C4CBC5E4DB95}"/>
+              </a:ext>
+            </a:extLst>
+          </p:cNvPr>
+          <p:cNvSpPr/>
+          <p:nvPr/>
+        </p:nvSpPr>
+        <p:spPr>
+          <a:xfrm>
+            <a:off x="3352797" y="610603"/>
+            <a:ext cx="3903587" cy="4709388"/>
           </a:xfrm>
           <a:prstGeom prst="rect">
             <a:avLst/>
@@ -3500,7 +3674,7 @@
         </p:nvSpPr>
         <p:spPr>
           <a:xfrm>
-            <a:off x="5898294" y="3797664"/>
+            <a:off x="5395784" y="3721866"/>
             <a:ext cx="1491047" cy="632193"/>
           </a:xfrm>
           <a:prstGeom prst="rect">
@@ -3549,7 +3723,7 @@
         </p:nvSpPr>
         <p:spPr>
           <a:xfrm>
-            <a:off x="5146867" y="5570236"/>
+            <a:off x="3328117" y="5779950"/>
             <a:ext cx="1507524" cy="939114"/>
           </a:xfrm>
           <a:prstGeom prst="can">
@@ -3610,7 +3784,7 @@
         </p:nvSpPr>
         <p:spPr>
           <a:xfrm>
-            <a:off x="3409828" y="5570238"/>
+            <a:off x="428791" y="5779949"/>
             <a:ext cx="1507524" cy="939115"/>
           </a:xfrm>
           <a:prstGeom prst="can">
@@ -3639,7 +3813,7 @@
           <a:p>
             <a:pPr algn="ctr"/>
             <a:r>
-              <a:rPr lang="en-GB"/>
+              <a:rPr lang="en-GB" dirty="0"/>
               <a:t>Configuration properties</a:t>
             </a:r>
           </a:p>
@@ -3659,7 +3833,7 @@
         </p:nvSpPr>
         <p:spPr>
           <a:xfrm>
-            <a:off x="8754651" y="3797664"/>
+            <a:off x="8212695" y="3721866"/>
             <a:ext cx="1486933" cy="632193"/>
           </a:xfrm>
           <a:prstGeom prst="rect">
@@ -3688,7 +3862,7 @@
           <a:p>
             <a:pPr algn="ctr"/>
             <a:r>
-              <a:rPr lang="en-GB"/>
+              <a:rPr lang="en-GB" dirty="0"/>
               <a:t>Remote AS4 Gateway</a:t>
             </a:r>
           </a:p>
@@ -3708,7 +3882,7 @@
         </p:nvSpPr>
         <p:spPr>
           <a:xfrm>
-            <a:off x="6874478" y="5570236"/>
+            <a:off x="7162747" y="5776183"/>
             <a:ext cx="1507524" cy="939114"/>
           </a:xfrm>
           <a:prstGeom prst="can">
@@ -3757,7 +3931,7 @@
         </p:nvSpPr>
         <p:spPr>
           <a:xfrm>
-            <a:off x="5898294" y="2408700"/>
+            <a:off x="5395784" y="2670655"/>
             <a:ext cx="1491047" cy="632193"/>
           </a:xfrm>
           <a:prstGeom prst="rect">
@@ -3806,7 +3980,7 @@
         </p:nvSpPr>
         <p:spPr>
           <a:xfrm>
-            <a:off x="8725500" y="2416162"/>
+            <a:off x="8222990" y="2678117"/>
             <a:ext cx="1486933" cy="632193"/>
           </a:xfrm>
           <a:prstGeom prst="rect">
@@ -3852,15 +4026,15 @@
           </p:cNvPr>
           <p:cNvCxnSpPr>
             <a:cxnSpLocks/>
-            <a:stCxn id="4" idx="2"/>
+            <a:stCxn id="67" idx="2"/>
             <a:endCxn id="9" idx="1"/>
           </p:cNvCxnSpPr>
           <p:nvPr/>
         </p:nvCxnSpPr>
         <p:spPr>
           <a:xfrm>
-            <a:off x="6643818" y="4429857"/>
-            <a:ext cx="984422" cy="1140379"/>
+            <a:off x="6778128" y="5193717"/>
+            <a:ext cx="1138381" cy="582466"/>
           </a:xfrm>
           <a:prstGeom prst="straightConnector1">
             <a:avLst/>
@@ -3899,8 +4073,8 @@
         </p:nvCxnSpPr>
         <p:spPr>
           <a:xfrm>
-            <a:off x="7389341" y="4113761"/>
-            <a:ext cx="1365310" cy="0"/>
+            <a:off x="6886831" y="4037963"/>
+            <a:ext cx="1325864" cy="0"/>
           </a:xfrm>
           <a:prstGeom prst="straightConnector1">
             <a:avLst/>
@@ -3943,7 +4117,7 @@
         </p:nvCxnSpPr>
         <p:spPr>
           <a:xfrm>
-            <a:off x="7389341" y="2724797"/>
+            <a:off x="6886831" y="2986752"/>
             <a:ext cx="1336159" cy="7462"/>
           </a:xfrm>
           <a:prstGeom prst="straightConnector1">
@@ -3980,15 +4154,15 @@
           </p:cNvPr>
           <p:cNvCxnSpPr>
             <a:cxnSpLocks/>
-            <a:stCxn id="4" idx="2"/>
+            <a:stCxn id="43" idx="2"/>
             <a:endCxn id="6" idx="1"/>
           </p:cNvCxnSpPr>
           <p:nvPr/>
         </p:nvCxnSpPr>
         <p:spPr>
           <a:xfrm flipH="1">
-            <a:off x="5900629" y="4429857"/>
-            <a:ext cx="743189" cy="1140379"/>
+            <a:off x="4081879" y="5196369"/>
+            <a:ext cx="1644994" cy="583581"/>
           </a:xfrm>
           <a:prstGeom prst="straightConnector1">
             <a:avLst/>
@@ -4023,7 +4197,7 @@
         </p:nvSpPr>
         <p:spPr>
           <a:xfrm>
-            <a:off x="926612" y="3778437"/>
+            <a:off x="267595" y="4040392"/>
             <a:ext cx="1894702" cy="633600"/>
           </a:xfrm>
           <a:prstGeom prst="rect">
@@ -4072,7 +4246,7 @@
         </p:nvSpPr>
         <p:spPr>
           <a:xfrm>
-            <a:off x="4077732" y="3270424"/>
+            <a:off x="3575222" y="3532379"/>
             <a:ext cx="1491047" cy="632193"/>
           </a:xfrm>
           <a:prstGeom prst="rect">
@@ -4121,7 +4295,7 @@
         </p:nvSpPr>
         <p:spPr>
           <a:xfrm>
-            <a:off x="4077732" y="4287858"/>
+            <a:off x="3575222" y="4549813"/>
             <a:ext cx="1491047" cy="632193"/>
           </a:xfrm>
           <a:prstGeom prst="rect">
@@ -4150,7 +4324,7 @@
           <a:p>
             <a:pPr algn="ctr"/>
             <a:r>
-              <a:rPr lang="en-GB"/>
+              <a:rPr lang="en-GB" dirty="0"/>
               <a:t>Receiving API</a:t>
             </a:r>
           </a:p>
@@ -4174,8 +4348,8 @@
         </p:nvCxnSpPr>
         <p:spPr>
           <a:xfrm rot="5400000" flipH="1" flipV="1">
-            <a:off x="2879889" y="2580595"/>
-            <a:ext cx="191916" cy="2203769"/>
+            <a:off x="2299126" y="2764296"/>
+            <a:ext cx="191916" cy="2360276"/>
           </a:xfrm>
           <a:prstGeom prst="bentConnector2">
             <a:avLst/>
@@ -4217,8 +4391,8 @@
         </p:nvCxnSpPr>
         <p:spPr>
           <a:xfrm rot="10800000">
-            <a:off x="1873964" y="4412037"/>
-            <a:ext cx="2203769" cy="191918"/>
+            <a:off x="1214946" y="4673992"/>
+            <a:ext cx="2360276" cy="191918"/>
           </a:xfrm>
           <a:prstGeom prst="bentConnector2">
             <a:avLst/>
@@ -4253,15 +4427,14 @@
           </p:cNvPr>
           <p:cNvCxnSpPr>
             <a:cxnSpLocks/>
-            <a:stCxn id="38" idx="2"/>
             <a:endCxn id="7" idx="1"/>
           </p:cNvCxnSpPr>
           <p:nvPr/>
         </p:nvCxnSpPr>
         <p:spPr>
           <a:xfrm flipH="1">
-            <a:off x="4163590" y="5058036"/>
-            <a:ext cx="1578184" cy="512202"/>
+            <a:off x="1182553" y="5344721"/>
+            <a:ext cx="2269766" cy="435228"/>
           </a:xfrm>
           <a:prstGeom prst="straightConnector1">
             <a:avLst/>
@@ -4300,8 +4473,8 @@
         </p:nvCxnSpPr>
         <p:spPr>
           <a:xfrm>
-            <a:off x="5568779" y="3586521"/>
-            <a:ext cx="329515" cy="527240"/>
+            <a:off x="5066269" y="3848476"/>
+            <a:ext cx="329515" cy="189487"/>
           </a:xfrm>
           <a:prstGeom prst="straightConnector1">
             <a:avLst/>
@@ -4343,8 +4516,8 @@
         </p:nvCxnSpPr>
         <p:spPr>
           <a:xfrm flipH="1">
-            <a:off x="5568779" y="4113761"/>
-            <a:ext cx="329515" cy="490194"/>
+            <a:off x="5066269" y="4037963"/>
+            <a:ext cx="329515" cy="827947"/>
           </a:xfrm>
           <a:prstGeom prst="straightConnector1">
             <a:avLst/>
@@ -4382,54 +4555,7 @@
         </p:nvSpPr>
         <p:spPr>
           <a:xfrm>
-            <a:off x="5890057" y="1576486"/>
-            <a:ext cx="1491047" cy="633600"/>
-          </a:xfrm>
-          <a:prstGeom prst="rect">
-            <a:avLst/>
-          </a:prstGeom>
-        </p:spPr>
-        <p:style>
-          <a:lnRef idx="1">
-            <a:schemeClr val="accent4"/>
-          </a:lnRef>
-          <a:fillRef idx="2">
-            <a:schemeClr val="accent4"/>
-          </a:fillRef>
-          <a:effectRef idx="1">
-            <a:schemeClr val="accent4"/>
-          </a:effectRef>
-          <a:fontRef idx="minor">
-            <a:schemeClr val="dk1"/>
-          </a:fontRef>
-        </p:style>
-        <p:txBody>
-          <a:bodyPr rtlCol="0" anchor="ctr"/>
-          <a:lstStyle/>
-          <a:p>
-            <a:pPr algn="ctr"/>
-            <a:r>
-              <a:rPr lang="en-GB"/>
-              <a:t>Validation</a:t>
-            </a:r>
-          </a:p>
-        </p:txBody>
-      </p:sp>
-      <p:sp>
-        <p:nvSpPr>
-          <p:cNvPr id="77" name="Rechteck 76">
-            <a:extLst>
-              <a:ext uri="{FF2B5EF4-FFF2-40B4-BE49-F238E27FC236}">
-                <a16:creationId xmlns:a16="http://schemas.microsoft.com/office/drawing/2014/main" id="{3479D37E-223B-4612-A7A9-544C363CE855}"/>
-              </a:ext>
-            </a:extLst>
-          </p:cNvPr>
-          <p:cNvSpPr/>
-          <p:nvPr/>
-        </p:nvSpPr>
-        <p:spPr>
-          <a:xfrm>
-            <a:off x="5890057" y="747486"/>
+            <a:off x="5387547" y="1838441"/>
             <a:ext cx="1491047" cy="633600"/>
           </a:xfrm>
           <a:prstGeom prst="rect">
@@ -4457,17 +4583,17 @@
             <a:pPr algn="ctr"/>
             <a:r>
               <a:rPr lang="en-GB"/>
-              <a:t>Logging / Auditing</a:t>
-            </a:r>
-          </a:p>
-        </p:txBody>
-      </p:sp>
-      <p:sp>
-        <p:nvSpPr>
-          <p:cNvPr id="79" name="Zylinder 78">
-            <a:extLst>
-              <a:ext uri="{FF2B5EF4-FFF2-40B4-BE49-F238E27FC236}">
-                <a16:creationId xmlns:a16="http://schemas.microsoft.com/office/drawing/2014/main" id="{EACC1306-6435-0305-68C0-46E1F23ED6F4}"/>
+              <a:t>Validation</a:t>
+            </a:r>
+          </a:p>
+        </p:txBody>
+      </p:sp>
+      <p:sp>
+        <p:nvSpPr>
+          <p:cNvPr id="77" name="Rechteck 76">
+            <a:extLst>
+              <a:ext uri="{FF2B5EF4-FFF2-40B4-BE49-F238E27FC236}">
+                <a16:creationId xmlns:a16="http://schemas.microsoft.com/office/drawing/2014/main" id="{3479D37E-223B-4612-A7A9-544C363CE855}"/>
               </a:ext>
             </a:extLst>
           </p:cNvPr>
@@ -4476,7 +4602,54 @@
         </p:nvSpPr>
         <p:spPr>
           <a:xfrm>
-            <a:off x="8715205" y="559442"/>
+            <a:off x="5387547" y="1009441"/>
+            <a:ext cx="1491047" cy="633600"/>
+          </a:xfrm>
+          <a:prstGeom prst="rect">
+            <a:avLst/>
+          </a:prstGeom>
+        </p:spPr>
+        <p:style>
+          <a:lnRef idx="1">
+            <a:schemeClr val="accent5"/>
+          </a:lnRef>
+          <a:fillRef idx="2">
+            <a:schemeClr val="accent5"/>
+          </a:fillRef>
+          <a:effectRef idx="1">
+            <a:schemeClr val="accent5"/>
+          </a:effectRef>
+          <a:fontRef idx="minor">
+            <a:schemeClr val="dk1"/>
+          </a:fontRef>
+        </p:style>
+        <p:txBody>
+          <a:bodyPr rtlCol="0" anchor="ctr"/>
+          <a:lstStyle/>
+          <a:p>
+            <a:pPr algn="ctr"/>
+            <a:r>
+              <a:rPr lang="en-GB"/>
+              <a:t>Logging / Auditing</a:t>
+            </a:r>
+          </a:p>
+        </p:txBody>
+      </p:sp>
+      <p:sp>
+        <p:nvSpPr>
+          <p:cNvPr id="79" name="Zylinder 78">
+            <a:extLst>
+              <a:ext uri="{FF2B5EF4-FFF2-40B4-BE49-F238E27FC236}">
+                <a16:creationId xmlns:a16="http://schemas.microsoft.com/office/drawing/2014/main" id="{EACC1306-6435-0305-68C0-46E1F23ED6F4}"/>
+              </a:ext>
+            </a:extLst>
+          </p:cNvPr>
+          <p:cNvSpPr/>
+          <p:nvPr/>
+        </p:nvSpPr>
+        <p:spPr>
+          <a:xfrm>
+            <a:off x="8212695" y="821397"/>
             <a:ext cx="1507524" cy="707331"/>
           </a:xfrm>
           <a:prstGeom prst="can">
@@ -4525,7 +4698,7 @@
         </p:nvSpPr>
         <p:spPr>
           <a:xfrm>
-            <a:off x="8715205" y="1402677"/>
+            <a:off x="8212695" y="1664632"/>
             <a:ext cx="1507524" cy="707331"/>
           </a:xfrm>
           <a:prstGeom prst="can">
@@ -4554,7 +4727,7 @@
           <a:p>
             <a:pPr algn="ctr"/>
             <a:r>
-              <a:rPr lang="en-GB"/>
+              <a:rPr lang="en-GB" dirty="0"/>
               <a:t>Audits</a:t>
             </a:r>
           </a:p>
@@ -4578,7 +4751,7 @@
         </p:nvCxnSpPr>
         <p:spPr>
           <a:xfrm flipV="1">
-            <a:off x="7381104" y="913108"/>
+            <a:off x="6878594" y="1175063"/>
             <a:ext cx="1334101" cy="151178"/>
           </a:xfrm>
           <a:prstGeom prst="bentConnector3">
@@ -4623,7 +4796,7 @@
         </p:nvCxnSpPr>
         <p:spPr>
           <a:xfrm>
-            <a:off x="7381104" y="1064286"/>
+            <a:off x="6878594" y="1326241"/>
             <a:ext cx="1334101" cy="692057"/>
           </a:xfrm>
           <a:prstGeom prst="bentConnector3">
@@ -4664,7 +4837,7 @@
         </p:nvSpPr>
         <p:spPr>
           <a:xfrm>
-            <a:off x="7852528" y="3797664"/>
+            <a:off x="7350018" y="3721866"/>
             <a:ext cx="540533" cy="369332"/>
           </a:xfrm>
           <a:prstGeom prst="rect">
@@ -4699,7 +4872,7 @@
         </p:nvSpPr>
         <p:spPr>
           <a:xfrm>
-            <a:off x="7759984" y="2387809"/>
+            <a:off x="7257474" y="2649764"/>
             <a:ext cx="675121" cy="369332"/>
           </a:xfrm>
           <a:prstGeom prst="rect">
@@ -4734,8 +4907,8 @@
         </p:nvSpPr>
         <p:spPr>
           <a:xfrm>
-            <a:off x="2574153" y="3231816"/>
-            <a:ext cx="1180067" cy="369332"/>
+            <a:off x="1704349" y="3493771"/>
+            <a:ext cx="1566070" cy="369332"/>
           </a:xfrm>
           <a:prstGeom prst="rect">
             <a:avLst/>
@@ -4749,8 +4922,8 @@
           <a:lstStyle/>
           <a:p>
             <a:r>
-              <a:rPr lang="en-GB"/>
-              <a:t>API / HTTP</a:t>
+              <a:rPr lang="en-GB" dirty="0"/>
+              <a:t>API / XTA2 / …</a:t>
             </a:r>
           </a:p>
         </p:txBody>
@@ -4769,8 +4942,8 @@
         </p:nvSpPr>
         <p:spPr>
           <a:xfrm>
-            <a:off x="2568785" y="4628990"/>
-            <a:ext cx="1180067" cy="369332"/>
+            <a:off x="1704349" y="4890945"/>
+            <a:ext cx="1566070" cy="369332"/>
           </a:xfrm>
           <a:prstGeom prst="rect">
             <a:avLst/>
@@ -4785,7 +4958,7 @@
           <a:p>
             <a:r>
               <a:rPr lang="en-GB" dirty="0"/>
-              <a:t>API / HTTP</a:t>
+              <a:t>API / XTA2 / …</a:t>
             </a:r>
           </a:p>
         </p:txBody>
@@ -4804,7 +4977,7 @@
         </p:nvSpPr>
         <p:spPr>
           <a:xfrm>
-            <a:off x="4077732" y="2411192"/>
+            <a:off x="3575222" y="2673147"/>
             <a:ext cx="1491047" cy="632193"/>
           </a:xfrm>
           <a:prstGeom prst="rect">
@@ -4856,7 +5029,7 @@
         </p:nvCxnSpPr>
         <p:spPr>
           <a:xfrm flipV="1">
-            <a:off x="5568779" y="2724797"/>
+            <a:off x="5066269" y="2986752"/>
             <a:ext cx="329515" cy="2492"/>
           </a:xfrm>
           <a:prstGeom prst="straightConnector1">
@@ -4899,8 +5072,8 @@
         </p:nvCxnSpPr>
         <p:spPr>
           <a:xfrm rot="5400000" flipH="1" flipV="1">
-            <a:off x="2450273" y="2150979"/>
-            <a:ext cx="1051148" cy="2203769"/>
+            <a:off x="1869510" y="2334680"/>
+            <a:ext cx="1051148" cy="2360276"/>
           </a:xfrm>
           <a:prstGeom prst="bentConnector2">
             <a:avLst/>
@@ -4938,8 +5111,8 @@
         </p:nvSpPr>
         <p:spPr>
           <a:xfrm>
-            <a:off x="2574152" y="2353244"/>
-            <a:ext cx="1180067" cy="369332"/>
+            <a:off x="1446265" y="2615199"/>
+            <a:ext cx="1824154" cy="369332"/>
           </a:xfrm>
           <a:prstGeom prst="rect">
             <a:avLst/>
@@ -4953,8 +5126,8 @@
           <a:lstStyle/>
           <a:p>
             <a:r>
-              <a:rPr lang="en-GB"/>
-              <a:t>API / HTTP</a:t>
+              <a:rPr lang="en-GB" dirty="0"/>
+              <a:t>API / XTA2 (?) / …</a:t>
             </a:r>
           </a:p>
         </p:txBody>
@@ -4973,7 +5146,7 @@
         </p:nvSpPr>
         <p:spPr>
           <a:xfrm>
-            <a:off x="4077732" y="1576486"/>
+            <a:off x="3575222" y="1838441"/>
             <a:ext cx="1491047" cy="633600"/>
           </a:xfrm>
           <a:prstGeom prst="rect">
@@ -5028,7 +5201,7 @@
         </p:nvCxnSpPr>
         <p:spPr>
           <a:xfrm>
-            <a:off x="5568779" y="1893286"/>
+            <a:off x="5066269" y="2155241"/>
             <a:ext cx="321278" cy="0"/>
           </a:xfrm>
           <a:prstGeom prst="straightConnector1">
@@ -5070,7 +5243,7 @@
         </p:nvCxnSpPr>
         <p:spPr>
           <a:xfrm>
-            <a:off x="1873962" y="1893286"/>
+            <a:off x="1371452" y="2155241"/>
             <a:ext cx="2203770" cy="0"/>
           </a:xfrm>
           <a:prstGeom prst="straightConnector1">
@@ -5109,8 +5282,8 @@
         </p:nvSpPr>
         <p:spPr>
           <a:xfrm>
-            <a:off x="2576387" y="1534979"/>
-            <a:ext cx="1180067" cy="369332"/>
+            <a:off x="2090352" y="1796934"/>
+            <a:ext cx="1141018" cy="369332"/>
           </a:xfrm>
           <a:prstGeom prst="rect">
             <a:avLst/>
@@ -5124,8 +5297,8 @@
           <a:lstStyle/>
           <a:p>
             <a:r>
-              <a:rPr lang="en-GB"/>
-              <a:t>API / HTTP</a:t>
+              <a:rPr lang="en-GB" dirty="0"/>
+              <a:t>API / REST</a:t>
             </a:r>
           </a:p>
         </p:txBody>
@@ -5144,7 +5317,7 @@
         </p:nvSpPr>
         <p:spPr>
           <a:xfrm>
-            <a:off x="4112297" y="766183"/>
+            <a:off x="3609787" y="1028138"/>
             <a:ext cx="1491047" cy="633600"/>
           </a:xfrm>
           <a:prstGeom prst="rect">
@@ -5177,10 +5350,2891 @@
           </a:p>
         </p:txBody>
       </p:sp>
+      <p:sp>
+        <p:nvSpPr>
+          <p:cNvPr id="13" name="Rechteck 12">
+            <a:extLst>
+              <a:ext uri="{FF2B5EF4-FFF2-40B4-BE49-F238E27FC236}">
+                <a16:creationId xmlns:a16="http://schemas.microsoft.com/office/drawing/2014/main" id="{381815B6-8FC2-FF8D-1F99-50D94D2F64D5}"/>
+              </a:ext>
+            </a:extLst>
+          </p:cNvPr>
+          <p:cNvSpPr/>
+          <p:nvPr/>
+        </p:nvSpPr>
+        <p:spPr>
+          <a:xfrm>
+            <a:off x="3221054" y="3493771"/>
+            <a:ext cx="222424" cy="1688235"/>
+          </a:xfrm>
+          <a:prstGeom prst="rect">
+            <a:avLst/>
+          </a:prstGeom>
+          <a:solidFill>
+            <a:srgbClr val="FF0000"/>
+          </a:solidFill>
+          <a:ln>
+            <a:solidFill>
+              <a:srgbClr val="C00000"/>
+            </a:solidFill>
+          </a:ln>
+        </p:spPr>
+        <p:style>
+          <a:lnRef idx="2">
+            <a:schemeClr val="accent1">
+              <a:shade val="50000"/>
+            </a:schemeClr>
+          </a:lnRef>
+          <a:fillRef idx="1">
+            <a:schemeClr val="accent1"/>
+          </a:fillRef>
+          <a:effectRef idx="0">
+            <a:schemeClr val="accent1"/>
+          </a:effectRef>
+          <a:fontRef idx="minor">
+            <a:schemeClr val="lt1"/>
+          </a:fontRef>
+        </p:style>
+        <p:txBody>
+          <a:bodyPr rtlCol="0" anchor="ctr"/>
+          <a:lstStyle/>
+          <a:p>
+            <a:pPr algn="ctr"/>
+            <a:r>
+              <a:rPr lang="de-AT" dirty="0"/>
+              <a:t>1</a:t>
+            </a:r>
+          </a:p>
+        </p:txBody>
+      </p:sp>
+      <p:sp>
+        <p:nvSpPr>
+          <p:cNvPr id="14" name="Rechteck 13">
+            <a:extLst>
+              <a:ext uri="{FF2B5EF4-FFF2-40B4-BE49-F238E27FC236}">
+                <a16:creationId xmlns:a16="http://schemas.microsoft.com/office/drawing/2014/main" id="{F8A61EC2-7185-A4C1-3E2E-4B271712354E}"/>
+              </a:ext>
+            </a:extLst>
+          </p:cNvPr>
+          <p:cNvSpPr/>
+          <p:nvPr/>
+        </p:nvSpPr>
+        <p:spPr>
+          <a:xfrm>
+            <a:off x="3216905" y="1810061"/>
+            <a:ext cx="222424" cy="669764"/>
+          </a:xfrm>
+          <a:prstGeom prst="rect">
+            <a:avLst/>
+          </a:prstGeom>
+          <a:solidFill>
+            <a:srgbClr val="FF0000"/>
+          </a:solidFill>
+          <a:ln>
+            <a:solidFill>
+              <a:srgbClr val="C00000"/>
+            </a:solidFill>
+          </a:ln>
+        </p:spPr>
+        <p:style>
+          <a:lnRef idx="2">
+            <a:schemeClr val="accent1">
+              <a:shade val="50000"/>
+            </a:schemeClr>
+          </a:lnRef>
+          <a:fillRef idx="1">
+            <a:schemeClr val="accent1"/>
+          </a:fillRef>
+          <a:effectRef idx="0">
+            <a:schemeClr val="accent1"/>
+          </a:effectRef>
+          <a:fontRef idx="minor">
+            <a:schemeClr val="lt1"/>
+          </a:fontRef>
+        </p:style>
+        <p:txBody>
+          <a:bodyPr rtlCol="0" anchor="ctr"/>
+          <a:lstStyle/>
+          <a:p>
+            <a:pPr algn="ctr"/>
+            <a:r>
+              <a:rPr lang="de-AT" dirty="0"/>
+              <a:t>2</a:t>
+            </a:r>
+          </a:p>
+        </p:txBody>
+      </p:sp>
+      <p:sp>
+        <p:nvSpPr>
+          <p:cNvPr id="16" name="Rechteck 15">
+            <a:extLst>
+              <a:ext uri="{FF2B5EF4-FFF2-40B4-BE49-F238E27FC236}">
+                <a16:creationId xmlns:a16="http://schemas.microsoft.com/office/drawing/2014/main" id="{D67F0AAA-B078-F864-DF1F-9EFCBA1E07E2}"/>
+              </a:ext>
+            </a:extLst>
+          </p:cNvPr>
+          <p:cNvSpPr/>
+          <p:nvPr/>
+        </p:nvSpPr>
+        <p:spPr>
+          <a:xfrm>
+            <a:off x="7517263" y="1710968"/>
+            <a:ext cx="222424" cy="669764"/>
+          </a:xfrm>
+          <a:prstGeom prst="rect">
+            <a:avLst/>
+          </a:prstGeom>
+          <a:solidFill>
+            <a:srgbClr val="FF0000"/>
+          </a:solidFill>
+          <a:ln>
+            <a:solidFill>
+              <a:srgbClr val="C00000"/>
+            </a:solidFill>
+          </a:ln>
+        </p:spPr>
+        <p:style>
+          <a:lnRef idx="2">
+            <a:schemeClr val="accent1">
+              <a:shade val="50000"/>
+            </a:schemeClr>
+          </a:lnRef>
+          <a:fillRef idx="1">
+            <a:schemeClr val="accent1"/>
+          </a:fillRef>
+          <a:effectRef idx="0">
+            <a:schemeClr val="accent1"/>
+          </a:effectRef>
+          <a:fontRef idx="minor">
+            <a:schemeClr val="lt1"/>
+          </a:fontRef>
+        </p:style>
+        <p:txBody>
+          <a:bodyPr rtlCol="0" anchor="ctr"/>
+          <a:lstStyle/>
+          <a:p>
+            <a:pPr algn="ctr"/>
+            <a:r>
+              <a:rPr lang="de-AT" dirty="0"/>
+              <a:t>3</a:t>
+            </a:r>
+          </a:p>
+        </p:txBody>
+      </p:sp>
+      <p:sp>
+        <p:nvSpPr>
+          <p:cNvPr id="19" name="Rechteck 18">
+            <a:extLst>
+              <a:ext uri="{FF2B5EF4-FFF2-40B4-BE49-F238E27FC236}">
+                <a16:creationId xmlns:a16="http://schemas.microsoft.com/office/drawing/2014/main" id="{246E079B-02EE-63DD-0F4C-6998AF310C64}"/>
+              </a:ext>
+            </a:extLst>
+          </p:cNvPr>
+          <p:cNvSpPr/>
+          <p:nvPr/>
+        </p:nvSpPr>
+        <p:spPr>
+          <a:xfrm>
+            <a:off x="10219004" y="2167672"/>
+            <a:ext cx="1486933" cy="632193"/>
+          </a:xfrm>
+          <a:prstGeom prst="rect">
+            <a:avLst/>
+          </a:prstGeom>
+        </p:spPr>
+        <p:style>
+          <a:lnRef idx="1">
+            <a:schemeClr val="accent3"/>
+          </a:lnRef>
+          <a:fillRef idx="2">
+            <a:schemeClr val="accent3"/>
+          </a:fillRef>
+          <a:effectRef idx="1">
+            <a:schemeClr val="accent3"/>
+          </a:effectRef>
+          <a:fontRef idx="minor">
+            <a:schemeClr val="dk1"/>
+          </a:fontRef>
+        </p:style>
+        <p:txBody>
+          <a:bodyPr rtlCol="0" anchor="ctr"/>
+          <a:lstStyle/>
+          <a:p>
+            <a:pPr algn="ctr"/>
+            <a:r>
+              <a:rPr lang="en-GB" dirty="0"/>
+              <a:t>Audit Reader</a:t>
+            </a:r>
+          </a:p>
+        </p:txBody>
+      </p:sp>
+      <p:cxnSp>
+        <p:nvCxnSpPr>
+          <p:cNvPr id="22" name="Verbinder: gewinkelt 21">
+            <a:extLst>
+              <a:ext uri="{FF2B5EF4-FFF2-40B4-BE49-F238E27FC236}">
+                <a16:creationId xmlns:a16="http://schemas.microsoft.com/office/drawing/2014/main" id="{495DC56B-1516-7D35-4CA1-CDA0B5D18F43}"/>
+              </a:ext>
+            </a:extLst>
+          </p:cNvPr>
+          <p:cNvCxnSpPr>
+            <a:stCxn id="19" idx="0"/>
+            <a:endCxn id="80" idx="4"/>
+          </p:cNvCxnSpPr>
+          <p:nvPr/>
+        </p:nvCxnSpPr>
+        <p:spPr>
+          <a:xfrm rot="16200000" flipV="1">
+            <a:off x="10266658" y="1471859"/>
+            <a:ext cx="149374" cy="1242252"/>
+          </a:xfrm>
+          <a:prstGeom prst="bentConnector2">
+            <a:avLst/>
+          </a:prstGeom>
+          <a:ln>
+            <a:tailEnd type="triangle"/>
+          </a:ln>
+        </p:spPr>
+        <p:style>
+          <a:lnRef idx="1">
+            <a:schemeClr val="accent1"/>
+          </a:lnRef>
+          <a:fillRef idx="0">
+            <a:schemeClr val="accent1"/>
+          </a:fillRef>
+          <a:effectRef idx="0">
+            <a:schemeClr val="accent1"/>
+          </a:effectRef>
+          <a:fontRef idx="minor">
+            <a:schemeClr val="tx1"/>
+          </a:fontRef>
+        </p:style>
+      </p:cxnSp>
+      <p:sp>
+        <p:nvSpPr>
+          <p:cNvPr id="27" name="Rechteck 26">
+            <a:extLst>
+              <a:ext uri="{FF2B5EF4-FFF2-40B4-BE49-F238E27FC236}">
+                <a16:creationId xmlns:a16="http://schemas.microsoft.com/office/drawing/2014/main" id="{3CBD5196-2183-3E33-D754-24ACA8462445}"/>
+              </a:ext>
+            </a:extLst>
+          </p:cNvPr>
+          <p:cNvSpPr/>
+          <p:nvPr/>
+        </p:nvSpPr>
+        <p:spPr>
+          <a:xfrm>
+            <a:off x="10219004" y="434621"/>
+            <a:ext cx="1486933" cy="632193"/>
+          </a:xfrm>
+          <a:prstGeom prst="rect">
+            <a:avLst/>
+          </a:prstGeom>
+        </p:spPr>
+        <p:style>
+          <a:lnRef idx="1">
+            <a:schemeClr val="accent3"/>
+          </a:lnRef>
+          <a:fillRef idx="2">
+            <a:schemeClr val="accent3"/>
+          </a:fillRef>
+          <a:effectRef idx="1">
+            <a:schemeClr val="accent3"/>
+          </a:effectRef>
+          <a:fontRef idx="minor">
+            <a:schemeClr val="dk1"/>
+          </a:fontRef>
+        </p:style>
+        <p:txBody>
+          <a:bodyPr rtlCol="0" anchor="ctr"/>
+          <a:lstStyle/>
+          <a:p>
+            <a:pPr algn="ctr"/>
+            <a:r>
+              <a:rPr lang="en-GB" dirty="0"/>
+              <a:t>Log Reader</a:t>
+            </a:r>
+          </a:p>
+        </p:txBody>
+      </p:sp>
+      <p:cxnSp>
+        <p:nvCxnSpPr>
+          <p:cNvPr id="30" name="Verbinder: gewinkelt 29">
+            <a:extLst>
+              <a:ext uri="{FF2B5EF4-FFF2-40B4-BE49-F238E27FC236}">
+                <a16:creationId xmlns:a16="http://schemas.microsoft.com/office/drawing/2014/main" id="{662CBB5C-07EA-F48C-E6D7-130D94BF1F8C}"/>
+              </a:ext>
+            </a:extLst>
+          </p:cNvPr>
+          <p:cNvCxnSpPr>
+            <a:stCxn id="27" idx="2"/>
+            <a:endCxn id="79" idx="4"/>
+          </p:cNvCxnSpPr>
+          <p:nvPr/>
+        </p:nvCxnSpPr>
+        <p:spPr>
+          <a:xfrm rot="5400000">
+            <a:off x="10287221" y="499812"/>
+            <a:ext cx="108249" cy="1242252"/>
+          </a:xfrm>
+          <a:prstGeom prst="bentConnector2">
+            <a:avLst/>
+          </a:prstGeom>
+          <a:ln>
+            <a:tailEnd type="triangle"/>
+          </a:ln>
+        </p:spPr>
+        <p:style>
+          <a:lnRef idx="1">
+            <a:schemeClr val="accent1"/>
+          </a:lnRef>
+          <a:fillRef idx="0">
+            <a:schemeClr val="accent1"/>
+          </a:fillRef>
+          <a:effectRef idx="0">
+            <a:schemeClr val="accent1"/>
+          </a:effectRef>
+          <a:fontRef idx="minor">
+            <a:schemeClr val="tx1"/>
+          </a:fontRef>
+        </p:style>
+      </p:cxnSp>
+      <p:cxnSp>
+        <p:nvCxnSpPr>
+          <p:cNvPr id="35" name="Gerader Verbinder 34">
+            <a:extLst>
+              <a:ext uri="{FF2B5EF4-FFF2-40B4-BE49-F238E27FC236}">
+                <a16:creationId xmlns:a16="http://schemas.microsoft.com/office/drawing/2014/main" id="{ABE07168-C3E2-1CC7-0E9D-373C21E7C3EE}"/>
+              </a:ext>
+            </a:extLst>
+          </p:cNvPr>
+          <p:cNvCxnSpPr/>
+          <p:nvPr/>
+        </p:nvCxnSpPr>
+        <p:spPr>
+          <a:xfrm>
+            <a:off x="10060441" y="115330"/>
+            <a:ext cx="0" cy="6655975"/>
+          </a:xfrm>
+          <a:prstGeom prst="line">
+            <a:avLst/>
+          </a:prstGeom>
+          <a:ln w="38100">
+            <a:prstDash val="lgDash"/>
+          </a:ln>
+        </p:spPr>
+        <p:style>
+          <a:lnRef idx="1">
+            <a:schemeClr val="dk1"/>
+          </a:lnRef>
+          <a:fillRef idx="0">
+            <a:schemeClr val="dk1"/>
+          </a:fillRef>
+          <a:effectRef idx="0">
+            <a:schemeClr val="dk1"/>
+          </a:effectRef>
+          <a:fontRef idx="minor">
+            <a:schemeClr val="tx1"/>
+          </a:fontRef>
+        </p:style>
+      </p:cxnSp>
+      <p:sp>
+        <p:nvSpPr>
+          <p:cNvPr id="36" name="Textfeld 35">
+            <a:extLst>
+              <a:ext uri="{FF2B5EF4-FFF2-40B4-BE49-F238E27FC236}">
+                <a16:creationId xmlns:a16="http://schemas.microsoft.com/office/drawing/2014/main" id="{AC7CFC9C-2712-C243-6C88-DA9D28EC212B}"/>
+              </a:ext>
+            </a:extLst>
+          </p:cNvPr>
+          <p:cNvSpPr txBox="1"/>
+          <p:nvPr/>
+        </p:nvSpPr>
+        <p:spPr>
+          <a:xfrm>
+            <a:off x="10191955" y="5978582"/>
+            <a:ext cx="1625052" cy="646331"/>
+          </a:xfrm>
+          <a:prstGeom prst="rect">
+            <a:avLst/>
+          </a:prstGeom>
+          <a:noFill/>
+        </p:spPr>
+        <p:txBody>
+          <a:bodyPr wrap="square" rtlCol="0">
+            <a:spAutoFit/>
+          </a:bodyPr>
+          <a:lstStyle/>
+          <a:p>
+            <a:r>
+              <a:rPr lang="de-AT" dirty="0"/>
+              <a:t>SDG Connector extern</a:t>
+            </a:r>
+          </a:p>
+        </p:txBody>
+      </p:sp>
+      <p:sp>
+        <p:nvSpPr>
+          <p:cNvPr id="43" name="Rechteck 42">
+            <a:extLst>
+              <a:ext uri="{FF2B5EF4-FFF2-40B4-BE49-F238E27FC236}">
+                <a16:creationId xmlns:a16="http://schemas.microsoft.com/office/drawing/2014/main" id="{ABA05269-74D3-71B7-51E8-C71D30667627}"/>
+              </a:ext>
+            </a:extLst>
+          </p:cNvPr>
+          <p:cNvSpPr/>
+          <p:nvPr/>
+        </p:nvSpPr>
+        <p:spPr>
+          <a:xfrm>
+            <a:off x="5248615" y="4564176"/>
+            <a:ext cx="956515" cy="632193"/>
+          </a:xfrm>
+          <a:prstGeom prst="rect">
+            <a:avLst/>
+          </a:prstGeom>
+        </p:spPr>
+        <p:style>
+          <a:lnRef idx="2">
+            <a:schemeClr val="accent1">
+              <a:shade val="50000"/>
+            </a:schemeClr>
+          </a:lnRef>
+          <a:fillRef idx="1">
+            <a:schemeClr val="accent1"/>
+          </a:fillRef>
+          <a:effectRef idx="0">
+            <a:schemeClr val="accent1"/>
+          </a:effectRef>
+          <a:fontRef idx="minor">
+            <a:schemeClr val="lt1"/>
+          </a:fontRef>
+        </p:style>
+        <p:txBody>
+          <a:bodyPr rtlCol="0" anchor="ctr"/>
+          <a:lstStyle/>
+          <a:p>
+            <a:pPr algn="ctr"/>
+            <a:r>
+              <a:rPr lang="en-GB" dirty="0" err="1"/>
+              <a:t>C.D.Mgr</a:t>
+            </a:r>
+            <a:endParaRPr lang="en-GB" dirty="0"/>
+          </a:p>
+        </p:txBody>
+      </p:sp>
+      <p:cxnSp>
+        <p:nvCxnSpPr>
+          <p:cNvPr id="48" name="Verbinder: gewinkelt 14">
+            <a:extLst>
+              <a:ext uri="{FF2B5EF4-FFF2-40B4-BE49-F238E27FC236}">
+                <a16:creationId xmlns:a16="http://schemas.microsoft.com/office/drawing/2014/main" id="{ABECB5F9-6667-3308-887B-D4B478983AAD}"/>
+              </a:ext>
+            </a:extLst>
+          </p:cNvPr>
+          <p:cNvCxnSpPr>
+            <a:cxnSpLocks/>
+            <a:stCxn id="4" idx="2"/>
+            <a:endCxn id="43" idx="0"/>
+          </p:cNvCxnSpPr>
+          <p:nvPr/>
+        </p:nvCxnSpPr>
+        <p:spPr>
+          <a:xfrm flipH="1">
+            <a:off x="5726873" y="4354059"/>
+            <a:ext cx="414435" cy="210117"/>
+          </a:xfrm>
+          <a:prstGeom prst="straightConnector1">
+            <a:avLst/>
+          </a:prstGeom>
+        </p:spPr>
+        <p:style>
+          <a:lnRef idx="1">
+            <a:schemeClr val="accent1"/>
+          </a:lnRef>
+          <a:fillRef idx="0">
+            <a:schemeClr val="accent1"/>
+          </a:fillRef>
+          <a:effectRef idx="0">
+            <a:schemeClr val="accent1"/>
+          </a:effectRef>
+          <a:fontRef idx="minor">
+            <a:schemeClr val="tx1"/>
+          </a:fontRef>
+        </p:style>
+      </p:cxnSp>
+      <p:cxnSp>
+        <p:nvCxnSpPr>
+          <p:cNvPr id="56" name="Gerade Verbindung mit Pfeil 27">
+            <a:extLst>
+              <a:ext uri="{FF2B5EF4-FFF2-40B4-BE49-F238E27FC236}">
+                <a16:creationId xmlns:a16="http://schemas.microsoft.com/office/drawing/2014/main" id="{43A2ACCB-B79F-D320-12F9-844B882942EB}"/>
+              </a:ext>
+            </a:extLst>
+          </p:cNvPr>
+          <p:cNvCxnSpPr>
+            <a:cxnSpLocks/>
+            <a:endCxn id="43" idx="2"/>
+          </p:cNvCxnSpPr>
+          <p:nvPr/>
+        </p:nvCxnSpPr>
+        <p:spPr>
+          <a:xfrm flipH="1" flipV="1">
+            <a:off x="5726873" y="5196369"/>
+            <a:ext cx="1461" cy="850003"/>
+          </a:xfrm>
+          <a:prstGeom prst="straightConnector1">
+            <a:avLst/>
+          </a:prstGeom>
+          <a:ln>
+            <a:tailEnd type="triangle"/>
+          </a:ln>
+        </p:spPr>
+        <p:style>
+          <a:lnRef idx="1">
+            <a:schemeClr val="accent1"/>
+          </a:lnRef>
+          <a:fillRef idx="0">
+            <a:schemeClr val="accent1"/>
+          </a:fillRef>
+          <a:effectRef idx="0">
+            <a:schemeClr val="accent1"/>
+          </a:effectRef>
+          <a:fontRef idx="minor">
+            <a:schemeClr val="tx1"/>
+          </a:fontRef>
+        </p:style>
+      </p:cxnSp>
+      <p:sp>
+        <p:nvSpPr>
+          <p:cNvPr id="41" name="Rechteck 40">
+            <a:extLst>
+              <a:ext uri="{FF2B5EF4-FFF2-40B4-BE49-F238E27FC236}">
+                <a16:creationId xmlns:a16="http://schemas.microsoft.com/office/drawing/2014/main" id="{E663D489-8069-A8E7-4DE2-DF8D070BFBB9}"/>
+              </a:ext>
+            </a:extLst>
+          </p:cNvPr>
+          <p:cNvSpPr/>
+          <p:nvPr/>
+        </p:nvSpPr>
+        <p:spPr>
+          <a:xfrm>
+            <a:off x="4791437" y="5392123"/>
+            <a:ext cx="984392" cy="258327"/>
+          </a:xfrm>
+          <a:prstGeom prst="rect">
+            <a:avLst/>
+          </a:prstGeom>
+          <a:solidFill>
+            <a:srgbClr val="FF0000"/>
+          </a:solidFill>
+          <a:ln>
+            <a:solidFill>
+              <a:srgbClr val="C00000"/>
+            </a:solidFill>
+          </a:ln>
+        </p:spPr>
+        <p:style>
+          <a:lnRef idx="2">
+            <a:schemeClr val="accent1">
+              <a:shade val="50000"/>
+            </a:schemeClr>
+          </a:lnRef>
+          <a:fillRef idx="1">
+            <a:schemeClr val="accent1"/>
+          </a:fillRef>
+          <a:effectRef idx="0">
+            <a:schemeClr val="accent1"/>
+          </a:effectRef>
+          <a:fontRef idx="minor">
+            <a:schemeClr val="lt1"/>
+          </a:fontRef>
+        </p:style>
+        <p:txBody>
+          <a:bodyPr rtlCol="0" anchor="ctr"/>
+          <a:lstStyle/>
+          <a:p>
+            <a:pPr algn="ctr"/>
+            <a:r>
+              <a:rPr lang="de-AT" dirty="0"/>
+              <a:t>4</a:t>
+            </a:r>
+          </a:p>
+        </p:txBody>
+      </p:sp>
+      <p:sp>
+        <p:nvSpPr>
+          <p:cNvPr id="61" name="Textfeld 60">
+            <a:extLst>
+              <a:ext uri="{FF2B5EF4-FFF2-40B4-BE49-F238E27FC236}">
+                <a16:creationId xmlns:a16="http://schemas.microsoft.com/office/drawing/2014/main" id="{B81E7ACF-9221-665A-22FF-4466BACF87BA}"/>
+              </a:ext>
+            </a:extLst>
+          </p:cNvPr>
+          <p:cNvSpPr txBox="1"/>
+          <p:nvPr/>
+        </p:nvSpPr>
+        <p:spPr>
+          <a:xfrm rot="5400000">
+            <a:off x="5009656" y="6007185"/>
+            <a:ext cx="1141018" cy="369332"/>
+          </a:xfrm>
+          <a:prstGeom prst="rect">
+            <a:avLst/>
+          </a:prstGeom>
+          <a:noFill/>
+        </p:spPr>
+        <p:txBody>
+          <a:bodyPr wrap="none" rtlCol="0">
+            <a:spAutoFit/>
+          </a:bodyPr>
+          <a:lstStyle/>
+          <a:p>
+            <a:r>
+              <a:rPr lang="en-GB" dirty="0"/>
+              <a:t>API / REST</a:t>
+            </a:r>
+          </a:p>
+        </p:txBody>
+      </p:sp>
+      <p:sp>
+        <p:nvSpPr>
+          <p:cNvPr id="67" name="Rechteck 66">
+            <a:extLst>
+              <a:ext uri="{FF2B5EF4-FFF2-40B4-BE49-F238E27FC236}">
+                <a16:creationId xmlns:a16="http://schemas.microsoft.com/office/drawing/2014/main" id="{8FED5CF9-8CF1-0897-1EDC-E438D1E50FBE}"/>
+              </a:ext>
+            </a:extLst>
+          </p:cNvPr>
+          <p:cNvSpPr/>
+          <p:nvPr/>
+        </p:nvSpPr>
+        <p:spPr>
+          <a:xfrm>
+            <a:off x="6299870" y="4561524"/>
+            <a:ext cx="956515" cy="632193"/>
+          </a:xfrm>
+          <a:prstGeom prst="rect">
+            <a:avLst/>
+          </a:prstGeom>
+        </p:spPr>
+        <p:style>
+          <a:lnRef idx="2">
+            <a:schemeClr val="accent1">
+              <a:shade val="50000"/>
+            </a:schemeClr>
+          </a:lnRef>
+          <a:fillRef idx="1">
+            <a:schemeClr val="accent1"/>
+          </a:fillRef>
+          <a:effectRef idx="0">
+            <a:schemeClr val="accent1"/>
+          </a:effectRef>
+          <a:fontRef idx="minor">
+            <a:schemeClr val="lt1"/>
+          </a:fontRef>
+        </p:style>
+        <p:txBody>
+          <a:bodyPr rtlCol="0" anchor="ctr"/>
+          <a:lstStyle/>
+          <a:p>
+            <a:pPr algn="ctr"/>
+            <a:r>
+              <a:rPr lang="en-GB" dirty="0" err="1"/>
+              <a:t>C.C.Mgr</a:t>
+            </a:r>
+            <a:endParaRPr lang="en-GB" dirty="0"/>
+          </a:p>
+        </p:txBody>
+      </p:sp>
+      <p:cxnSp>
+        <p:nvCxnSpPr>
+          <p:cNvPr id="69" name="Verbinder: gewinkelt 14">
+            <a:extLst>
+              <a:ext uri="{FF2B5EF4-FFF2-40B4-BE49-F238E27FC236}">
+                <a16:creationId xmlns:a16="http://schemas.microsoft.com/office/drawing/2014/main" id="{DDC69703-617C-B14F-9C4C-455CA5CE65B8}"/>
+              </a:ext>
+            </a:extLst>
+          </p:cNvPr>
+          <p:cNvCxnSpPr>
+            <a:cxnSpLocks/>
+            <a:stCxn id="4" idx="2"/>
+            <a:endCxn id="67" idx="0"/>
+          </p:cNvCxnSpPr>
+          <p:nvPr/>
+        </p:nvCxnSpPr>
+        <p:spPr>
+          <a:xfrm>
+            <a:off x="6141308" y="4354059"/>
+            <a:ext cx="636820" cy="207465"/>
+          </a:xfrm>
+          <a:prstGeom prst="straightConnector1">
+            <a:avLst/>
+          </a:prstGeom>
+        </p:spPr>
+        <p:style>
+          <a:lnRef idx="1">
+            <a:schemeClr val="accent1"/>
+          </a:lnRef>
+          <a:fillRef idx="0">
+            <a:schemeClr val="accent1"/>
+          </a:fillRef>
+          <a:effectRef idx="0">
+            <a:schemeClr val="accent1"/>
+          </a:effectRef>
+          <a:fontRef idx="minor">
+            <a:schemeClr val="tx1"/>
+          </a:fontRef>
+        </p:style>
+      </p:cxnSp>
+      <p:cxnSp>
+        <p:nvCxnSpPr>
+          <p:cNvPr id="72" name="Gerade Verbindung mit Pfeil 27">
+            <a:extLst>
+              <a:ext uri="{FF2B5EF4-FFF2-40B4-BE49-F238E27FC236}">
+                <a16:creationId xmlns:a16="http://schemas.microsoft.com/office/drawing/2014/main" id="{2881FE76-4772-17DA-244F-0C6BD39D8DAD}"/>
+              </a:ext>
+            </a:extLst>
+          </p:cNvPr>
+          <p:cNvCxnSpPr>
+            <a:cxnSpLocks/>
+            <a:endCxn id="67" idx="2"/>
+          </p:cNvCxnSpPr>
+          <p:nvPr/>
+        </p:nvCxnSpPr>
+        <p:spPr>
+          <a:xfrm flipV="1">
+            <a:off x="6778128" y="5193717"/>
+            <a:ext cx="0" cy="778631"/>
+          </a:xfrm>
+          <a:prstGeom prst="straightConnector1">
+            <a:avLst/>
+          </a:prstGeom>
+          <a:ln>
+            <a:tailEnd type="triangle"/>
+          </a:ln>
+        </p:spPr>
+        <p:style>
+          <a:lnRef idx="1">
+            <a:schemeClr val="accent1"/>
+          </a:lnRef>
+          <a:fillRef idx="0">
+            <a:schemeClr val="accent1"/>
+          </a:fillRef>
+          <a:effectRef idx="0">
+            <a:schemeClr val="accent1"/>
+          </a:effectRef>
+          <a:fontRef idx="minor">
+            <a:schemeClr val="tx1"/>
+          </a:fontRef>
+        </p:style>
+      </p:cxnSp>
+      <p:sp>
+        <p:nvSpPr>
+          <p:cNvPr id="73" name="Textfeld 72">
+            <a:extLst>
+              <a:ext uri="{FF2B5EF4-FFF2-40B4-BE49-F238E27FC236}">
+                <a16:creationId xmlns:a16="http://schemas.microsoft.com/office/drawing/2014/main" id="{4CA0E1C6-3DAE-02EC-A9ED-42830DBDFD17}"/>
+              </a:ext>
+            </a:extLst>
+          </p:cNvPr>
+          <p:cNvSpPr txBox="1"/>
+          <p:nvPr/>
+        </p:nvSpPr>
+        <p:spPr>
+          <a:xfrm rot="5400000">
+            <a:off x="6044008" y="6016130"/>
+            <a:ext cx="1141018" cy="369332"/>
+          </a:xfrm>
+          <a:prstGeom prst="rect">
+            <a:avLst/>
+          </a:prstGeom>
+          <a:noFill/>
+        </p:spPr>
+        <p:txBody>
+          <a:bodyPr wrap="none" rtlCol="0">
+            <a:spAutoFit/>
+          </a:bodyPr>
+          <a:lstStyle/>
+          <a:p>
+            <a:r>
+              <a:rPr lang="en-GB" dirty="0"/>
+              <a:t>API / REST</a:t>
+            </a:r>
+          </a:p>
+        </p:txBody>
+      </p:sp>
+      <p:sp>
+        <p:nvSpPr>
+          <p:cNvPr id="42" name="Rechteck 41">
+            <a:extLst>
+              <a:ext uri="{FF2B5EF4-FFF2-40B4-BE49-F238E27FC236}">
+                <a16:creationId xmlns:a16="http://schemas.microsoft.com/office/drawing/2014/main" id="{753BF1FD-5726-8BD6-D499-00DC9535CDF9}"/>
+              </a:ext>
+            </a:extLst>
+          </p:cNvPr>
+          <p:cNvSpPr/>
+          <p:nvPr/>
+        </p:nvSpPr>
+        <p:spPr>
+          <a:xfrm>
+            <a:off x="6634139" y="5395826"/>
+            <a:ext cx="938302" cy="258597"/>
+          </a:xfrm>
+          <a:prstGeom prst="rect">
+            <a:avLst/>
+          </a:prstGeom>
+          <a:solidFill>
+            <a:srgbClr val="FF0000"/>
+          </a:solidFill>
+          <a:ln>
+            <a:solidFill>
+              <a:srgbClr val="C00000"/>
+            </a:solidFill>
+          </a:ln>
+        </p:spPr>
+        <p:style>
+          <a:lnRef idx="2">
+            <a:schemeClr val="accent1">
+              <a:shade val="50000"/>
+            </a:schemeClr>
+          </a:lnRef>
+          <a:fillRef idx="1">
+            <a:schemeClr val="accent1"/>
+          </a:fillRef>
+          <a:effectRef idx="0">
+            <a:schemeClr val="accent1"/>
+          </a:effectRef>
+          <a:fontRef idx="minor">
+            <a:schemeClr val="lt1"/>
+          </a:fontRef>
+        </p:style>
+        <p:txBody>
+          <a:bodyPr rtlCol="0" anchor="ctr"/>
+          <a:lstStyle/>
+          <a:p>
+            <a:pPr algn="ctr"/>
+            <a:r>
+              <a:rPr lang="de-AT" dirty="0"/>
+              <a:t>5</a:t>
+            </a:r>
+          </a:p>
+        </p:txBody>
+      </p:sp>
+      <p:sp>
+        <p:nvSpPr>
+          <p:cNvPr id="78" name="Rechteck 77">
+            <a:extLst>
+              <a:ext uri="{FF2B5EF4-FFF2-40B4-BE49-F238E27FC236}">
+                <a16:creationId xmlns:a16="http://schemas.microsoft.com/office/drawing/2014/main" id="{7D46D765-CEDC-31CF-C29B-1DF51084D764}"/>
+              </a:ext>
+            </a:extLst>
+          </p:cNvPr>
+          <p:cNvSpPr/>
+          <p:nvPr/>
+        </p:nvSpPr>
+        <p:spPr>
+          <a:xfrm>
+            <a:off x="1911560" y="5466757"/>
+            <a:ext cx="735945" cy="258597"/>
+          </a:xfrm>
+          <a:prstGeom prst="rect">
+            <a:avLst/>
+          </a:prstGeom>
+          <a:solidFill>
+            <a:srgbClr val="FF0000"/>
+          </a:solidFill>
+          <a:ln>
+            <a:solidFill>
+              <a:srgbClr val="C00000"/>
+            </a:solidFill>
+          </a:ln>
+        </p:spPr>
+        <p:style>
+          <a:lnRef idx="2">
+            <a:schemeClr val="accent1">
+              <a:shade val="50000"/>
+            </a:schemeClr>
+          </a:lnRef>
+          <a:fillRef idx="1">
+            <a:schemeClr val="accent1"/>
+          </a:fillRef>
+          <a:effectRef idx="0">
+            <a:schemeClr val="accent1"/>
+          </a:effectRef>
+          <a:fontRef idx="minor">
+            <a:schemeClr val="lt1"/>
+          </a:fontRef>
+        </p:style>
+        <p:txBody>
+          <a:bodyPr rtlCol="0" anchor="ctr"/>
+          <a:lstStyle/>
+          <a:p>
+            <a:pPr algn="ctr"/>
+            <a:r>
+              <a:rPr lang="de-AT" dirty="0"/>
+              <a:t>6</a:t>
+            </a:r>
+          </a:p>
+        </p:txBody>
+      </p:sp>
     </p:spTree>
     <p:extLst>
       <p:ext uri="{BB962C8B-B14F-4D97-AF65-F5344CB8AC3E}">
         <p14:creationId xmlns:p14="http://schemas.microsoft.com/office/powerpoint/2010/main" val="2087106647"/>
+      </p:ext>
+    </p:extLst>
+  </p:cSld>
+  <p:clrMapOvr>
+    <a:masterClrMapping/>
+  </p:clrMapOvr>
+</p:sld>
+</file>
+
+<file path=ppt/slides/slide3.xml><?xml version="1.0" encoding="utf-8"?>
+<p:sld xmlns:a="http://schemas.openxmlformats.org/drawingml/2006/main" xmlns:r="http://schemas.openxmlformats.org/officeDocument/2006/relationships" xmlns:p="http://schemas.openxmlformats.org/presentationml/2006/main">
+  <p:cSld>
+    <p:spTree>
+      <p:nvGrpSpPr>
+        <p:cNvPr id="1" name=""/>
+        <p:cNvGrpSpPr/>
+        <p:nvPr/>
+      </p:nvGrpSpPr>
+      <p:grpSpPr>
+        <a:xfrm>
+          <a:off x="0" y="0"/>
+          <a:ext cx="0" cy="0"/>
+          <a:chOff x="0" y="0"/>
+          <a:chExt cx="0" cy="0"/>
+        </a:xfrm>
+      </p:grpSpPr>
+      <p:sp>
+        <p:nvSpPr>
+          <p:cNvPr id="2" name="Rechteck 1">
+            <a:extLst>
+              <a:ext uri="{FF2B5EF4-FFF2-40B4-BE49-F238E27FC236}">
+                <a16:creationId xmlns:a16="http://schemas.microsoft.com/office/drawing/2014/main" id="{29C66FD4-11B4-234B-F98A-1C397FD745CB}"/>
+              </a:ext>
+            </a:extLst>
+          </p:cNvPr>
+          <p:cNvSpPr/>
+          <p:nvPr/>
+        </p:nvSpPr>
+        <p:spPr>
+          <a:xfrm>
+            <a:off x="2034746" y="1507527"/>
+            <a:ext cx="3163330" cy="1622854"/>
+          </a:xfrm>
+          <a:prstGeom prst="rect">
+            <a:avLst/>
+          </a:prstGeom>
+        </p:spPr>
+        <p:style>
+          <a:lnRef idx="1">
+            <a:schemeClr val="accent1"/>
+          </a:lnRef>
+          <a:fillRef idx="2">
+            <a:schemeClr val="accent1"/>
+          </a:fillRef>
+          <a:effectRef idx="1">
+            <a:schemeClr val="accent1"/>
+          </a:effectRef>
+          <a:fontRef idx="minor">
+            <a:schemeClr val="dk1"/>
+          </a:fontRef>
+        </p:style>
+        <p:txBody>
+          <a:bodyPr rtlCol="0" anchor="t"/>
+          <a:lstStyle/>
+          <a:p>
+            <a:pPr algn="ctr"/>
+            <a:r>
+              <a:rPr lang="de-AT" dirty="0"/>
+              <a:t>SDG Connector</a:t>
+            </a:r>
+          </a:p>
+        </p:txBody>
+      </p:sp>
+      <p:sp>
+        <p:nvSpPr>
+          <p:cNvPr id="3" name="Zylinder 2">
+            <a:extLst>
+              <a:ext uri="{FF2B5EF4-FFF2-40B4-BE49-F238E27FC236}">
+                <a16:creationId xmlns:a16="http://schemas.microsoft.com/office/drawing/2014/main" id="{9D455406-D593-B62B-6385-93182577875F}"/>
+              </a:ext>
+            </a:extLst>
+          </p:cNvPr>
+          <p:cNvSpPr/>
+          <p:nvPr/>
+        </p:nvSpPr>
+        <p:spPr>
+          <a:xfrm>
+            <a:off x="3690551" y="3840894"/>
+            <a:ext cx="1507524" cy="939114"/>
+          </a:xfrm>
+          <a:prstGeom prst="can">
+            <a:avLst/>
+          </a:prstGeom>
+          <a:gradFill flip="none" rotWithShape="1">
+            <a:gsLst>
+              <a:gs pos="0">
+                <a:schemeClr val="accent2"/>
+              </a:gs>
+              <a:gs pos="100000">
+                <a:schemeClr val="accent6"/>
+              </a:gs>
+            </a:gsLst>
+            <a:lin ang="5400000" scaled="1"/>
+            <a:tileRect/>
+          </a:gradFill>
+        </p:spPr>
+        <p:style>
+          <a:lnRef idx="2">
+            <a:schemeClr val="accent2">
+              <a:shade val="50000"/>
+            </a:schemeClr>
+          </a:lnRef>
+          <a:fillRef idx="1">
+            <a:schemeClr val="accent2"/>
+          </a:fillRef>
+          <a:effectRef idx="0">
+            <a:schemeClr val="accent2"/>
+          </a:effectRef>
+          <a:fontRef idx="minor">
+            <a:schemeClr val="lt1"/>
+          </a:fontRef>
+        </p:style>
+        <p:txBody>
+          <a:bodyPr rtlCol="0" anchor="ctr"/>
+          <a:lstStyle/>
+          <a:p>
+            <a:pPr algn="ctr"/>
+            <a:r>
+              <a:rPr lang="en-GB"/>
+              <a:t>Connection details</a:t>
+            </a:r>
+          </a:p>
+        </p:txBody>
+      </p:sp>
+      <p:cxnSp>
+        <p:nvCxnSpPr>
+          <p:cNvPr id="5" name="Gerader Verbinder 4">
+            <a:extLst>
+              <a:ext uri="{FF2B5EF4-FFF2-40B4-BE49-F238E27FC236}">
+                <a16:creationId xmlns:a16="http://schemas.microsoft.com/office/drawing/2014/main" id="{93E321C5-16F2-20DC-875D-66B84E5C4752}"/>
+              </a:ext>
+            </a:extLst>
+          </p:cNvPr>
+          <p:cNvCxnSpPr>
+            <a:cxnSpLocks/>
+            <a:stCxn id="2" idx="2"/>
+            <a:endCxn id="3" idx="1"/>
+          </p:cNvCxnSpPr>
+          <p:nvPr/>
+        </p:nvCxnSpPr>
+        <p:spPr>
+          <a:xfrm>
+            <a:off x="3616411" y="3130381"/>
+            <a:ext cx="827902" cy="710513"/>
+          </a:xfrm>
+          <a:prstGeom prst="line">
+            <a:avLst/>
+          </a:prstGeom>
+        </p:spPr>
+        <p:style>
+          <a:lnRef idx="1">
+            <a:schemeClr val="accent1"/>
+          </a:lnRef>
+          <a:fillRef idx="0">
+            <a:schemeClr val="accent1"/>
+          </a:fillRef>
+          <a:effectRef idx="0">
+            <a:schemeClr val="accent1"/>
+          </a:effectRef>
+          <a:fontRef idx="minor">
+            <a:schemeClr val="tx1"/>
+          </a:fontRef>
+        </p:style>
+      </p:cxnSp>
+      <p:sp>
+        <p:nvSpPr>
+          <p:cNvPr id="6" name="Legende: mit gebogener Linie 5">
+            <a:extLst>
+              <a:ext uri="{FF2B5EF4-FFF2-40B4-BE49-F238E27FC236}">
+                <a16:creationId xmlns:a16="http://schemas.microsoft.com/office/drawing/2014/main" id="{44A396BF-DD1B-119F-A98A-0FB11B637C3B}"/>
+              </a:ext>
+            </a:extLst>
+          </p:cNvPr>
+          <p:cNvSpPr/>
+          <p:nvPr/>
+        </p:nvSpPr>
+        <p:spPr>
+          <a:xfrm>
+            <a:off x="6903308" y="2085203"/>
+            <a:ext cx="4909751" cy="2453847"/>
+          </a:xfrm>
+          <a:prstGeom prst="borderCallout2">
+            <a:avLst>
+              <a:gd name="adj1" fmla="val 45644"/>
+              <a:gd name="adj2" fmla="val -3619"/>
+              <a:gd name="adj3" fmla="val 49676"/>
+              <a:gd name="adj4" fmla="val -14684"/>
+              <a:gd name="adj5" fmla="val 89335"/>
+              <a:gd name="adj6" fmla="val -33156"/>
+            </a:avLst>
+          </a:prstGeom>
+          <a:noFill/>
+          <a:ln w="9525" cap="flat" cmpd="sng" algn="ctr">
+            <a:solidFill>
+              <a:schemeClr val="accent1"/>
+            </a:solidFill>
+            <a:prstDash val="solid"/>
+            <a:round/>
+            <a:headEnd type="none" w="med" len="med"/>
+            <a:tailEnd type="none" w="med" len="med"/>
+          </a:ln>
+        </p:spPr>
+        <p:style>
+          <a:lnRef idx="0">
+            <a:scrgbClr r="0" g="0" b="0"/>
+          </a:lnRef>
+          <a:fillRef idx="0">
+            <a:scrgbClr r="0" g="0" b="0"/>
+          </a:fillRef>
+          <a:effectRef idx="0">
+            <a:scrgbClr r="0" g="0" b="0"/>
+          </a:effectRef>
+          <a:fontRef idx="minor">
+            <a:schemeClr val="accent1"/>
+          </a:fontRef>
+        </p:style>
+        <p:txBody>
+          <a:bodyPr rtlCol="0" anchor="t"/>
+          <a:lstStyle/>
+          <a:p>
+            <a:r>
+              <a:rPr lang="de-AT" dirty="0"/>
+              <a:t>Ziel: Aktualisierung der Connection Details zur Laufzeit:</a:t>
+            </a:r>
+          </a:p>
+          <a:p>
+            <a:pPr marL="285750" indent="-285750">
+              <a:buFont typeface="Arial" panose="020B0604020202020204" pitchFamily="34" charset="0"/>
+              <a:buChar char="•"/>
+            </a:pPr>
+            <a:r>
+              <a:rPr lang="de-AT" dirty="0"/>
+              <a:t>Key: Access Service ID (String)</a:t>
+            </a:r>
+          </a:p>
+          <a:p>
+            <a:pPr marL="285750" indent="-285750">
+              <a:buFont typeface="Arial" panose="020B0604020202020204" pitchFamily="34" charset="0"/>
+              <a:buChar char="•"/>
+            </a:pPr>
+            <a:r>
+              <a:rPr lang="de-AT" dirty="0"/>
+              <a:t>AS4-URL der Gegenseite</a:t>
+            </a:r>
+          </a:p>
+          <a:p>
+            <a:pPr marL="285750" indent="-285750">
+              <a:buFont typeface="Arial" panose="020B0604020202020204" pitchFamily="34" charset="0"/>
+              <a:buChar char="•"/>
+            </a:pPr>
+            <a:r>
+              <a:rPr lang="de-AT" dirty="0"/>
+              <a:t>[TS] AS4-Crypt-Zertifikat-Chain der Gegenseite</a:t>
+            </a:r>
+          </a:p>
+          <a:p>
+            <a:pPr marL="285750" indent="-285750">
+              <a:buFont typeface="Arial" panose="020B0604020202020204" pitchFamily="34" charset="0"/>
+              <a:buChar char="•"/>
+            </a:pPr>
+            <a:r>
+              <a:rPr lang="de-AT" dirty="0"/>
+              <a:t>[TS] AS4-Sign-Zertifikat-Chain der Gegenseite</a:t>
+            </a:r>
+          </a:p>
+          <a:p>
+            <a:pPr marL="285750" indent="-285750">
+              <a:buFont typeface="Arial" panose="020B0604020202020204" pitchFamily="34" charset="0"/>
+              <a:buChar char="•"/>
+            </a:pPr>
+            <a:r>
+              <a:rPr lang="de-AT" dirty="0"/>
+              <a:t>[TS] TLS-Zertifikats-Chain der Gegenseite</a:t>
+            </a:r>
+          </a:p>
+          <a:p>
+            <a:pPr marL="285750" indent="-285750">
+              <a:buFont typeface="Arial" panose="020B0604020202020204" pitchFamily="34" charset="0"/>
+              <a:buChar char="•"/>
+            </a:pPr>
+            <a:r>
+              <a:rPr lang="de-AT" dirty="0" err="1"/>
+              <a:t>InsecureTLS</a:t>
+            </a:r>
+            <a:r>
+              <a:rPr lang="de-AT" dirty="0"/>
+              <a:t>: </a:t>
+            </a:r>
+            <a:r>
+              <a:rPr lang="de-AT" dirty="0" err="1"/>
+              <a:t>boolean</a:t>
+            </a:r>
+            <a:endParaRPr lang="de-AT" dirty="0"/>
+          </a:p>
+        </p:txBody>
+      </p:sp>
+      <p:sp>
+        <p:nvSpPr>
+          <p:cNvPr id="7" name="Rechteck 6">
+            <a:extLst>
+              <a:ext uri="{FF2B5EF4-FFF2-40B4-BE49-F238E27FC236}">
+                <a16:creationId xmlns:a16="http://schemas.microsoft.com/office/drawing/2014/main" id="{D62CA6A6-C4DD-94B4-C4B2-F1A683AA28AE}"/>
+              </a:ext>
+            </a:extLst>
+          </p:cNvPr>
+          <p:cNvSpPr/>
+          <p:nvPr/>
+        </p:nvSpPr>
+        <p:spPr>
+          <a:xfrm>
+            <a:off x="3377513" y="2191267"/>
+            <a:ext cx="1746420" cy="774358"/>
+          </a:xfrm>
+          <a:prstGeom prst="rect">
+            <a:avLst/>
+          </a:prstGeom>
+        </p:spPr>
+        <p:style>
+          <a:lnRef idx="2">
+            <a:schemeClr val="accent6">
+              <a:shade val="50000"/>
+            </a:schemeClr>
+          </a:lnRef>
+          <a:fillRef idx="1">
+            <a:schemeClr val="accent6"/>
+          </a:fillRef>
+          <a:effectRef idx="0">
+            <a:schemeClr val="accent6"/>
+          </a:effectRef>
+          <a:fontRef idx="minor">
+            <a:schemeClr val="lt1"/>
+          </a:fontRef>
+        </p:style>
+        <p:txBody>
+          <a:bodyPr rtlCol="0" anchor="ctr"/>
+          <a:lstStyle/>
+          <a:p>
+            <a:pPr algn="ctr"/>
+            <a:r>
+              <a:rPr lang="de-AT" dirty="0"/>
+              <a:t>SDG Connection Details Manager</a:t>
+            </a:r>
+          </a:p>
+        </p:txBody>
+      </p:sp>
+      <p:cxnSp>
+        <p:nvCxnSpPr>
+          <p:cNvPr id="9" name="Gerade Verbindung mit Pfeil 8">
+            <a:extLst>
+              <a:ext uri="{FF2B5EF4-FFF2-40B4-BE49-F238E27FC236}">
+                <a16:creationId xmlns:a16="http://schemas.microsoft.com/office/drawing/2014/main" id="{4C36F175-12F3-68C5-BFFB-D8F3DDAEF132}"/>
+              </a:ext>
+            </a:extLst>
+          </p:cNvPr>
+          <p:cNvCxnSpPr>
+            <a:cxnSpLocks/>
+            <a:stCxn id="7" idx="2"/>
+            <a:endCxn id="3" idx="1"/>
+          </p:cNvCxnSpPr>
+          <p:nvPr/>
+        </p:nvCxnSpPr>
+        <p:spPr>
+          <a:xfrm>
+            <a:off x="4250723" y="2965625"/>
+            <a:ext cx="193590" cy="875269"/>
+          </a:xfrm>
+          <a:prstGeom prst="straightConnector1">
+            <a:avLst/>
+          </a:prstGeom>
+          <a:ln>
+            <a:tailEnd type="triangle"/>
+          </a:ln>
+        </p:spPr>
+        <p:style>
+          <a:lnRef idx="1">
+            <a:schemeClr val="accent1"/>
+          </a:lnRef>
+          <a:fillRef idx="0">
+            <a:schemeClr val="accent1"/>
+          </a:fillRef>
+          <a:effectRef idx="0">
+            <a:schemeClr val="accent1"/>
+          </a:effectRef>
+          <a:fontRef idx="minor">
+            <a:schemeClr val="tx1"/>
+          </a:fontRef>
+        </p:style>
+      </p:cxnSp>
+      <p:sp>
+        <p:nvSpPr>
+          <p:cNvPr id="18" name="Rechteck 17">
+            <a:extLst>
+              <a:ext uri="{FF2B5EF4-FFF2-40B4-BE49-F238E27FC236}">
+                <a16:creationId xmlns:a16="http://schemas.microsoft.com/office/drawing/2014/main" id="{24FB1C6F-C31C-5631-18C6-064E73077745}"/>
+              </a:ext>
+            </a:extLst>
+          </p:cNvPr>
+          <p:cNvSpPr/>
+          <p:nvPr/>
+        </p:nvSpPr>
+        <p:spPr>
+          <a:xfrm>
+            <a:off x="1392192" y="1507526"/>
+            <a:ext cx="518984" cy="1622853"/>
+          </a:xfrm>
+          <a:prstGeom prst="rect">
+            <a:avLst/>
+          </a:prstGeom>
+        </p:spPr>
+        <p:style>
+          <a:lnRef idx="2">
+            <a:schemeClr val="accent6">
+              <a:shade val="50000"/>
+            </a:schemeClr>
+          </a:lnRef>
+          <a:fillRef idx="1">
+            <a:schemeClr val="accent6"/>
+          </a:fillRef>
+          <a:effectRef idx="0">
+            <a:schemeClr val="accent6"/>
+          </a:effectRef>
+          <a:fontRef idx="minor">
+            <a:schemeClr val="lt1"/>
+          </a:fontRef>
+        </p:style>
+        <p:txBody>
+          <a:bodyPr vert="vert" rtlCol="0" anchor="ctr"/>
+          <a:lstStyle/>
+          <a:p>
+            <a:pPr algn="ctr"/>
+            <a:r>
+              <a:rPr lang="de-AT" dirty="0"/>
+              <a:t>HTTP</a:t>
+            </a:r>
+          </a:p>
+        </p:txBody>
+      </p:sp>
+      <p:cxnSp>
+        <p:nvCxnSpPr>
+          <p:cNvPr id="19" name="Gerade Verbindung mit Pfeil 18">
+            <a:extLst>
+              <a:ext uri="{FF2B5EF4-FFF2-40B4-BE49-F238E27FC236}">
+                <a16:creationId xmlns:a16="http://schemas.microsoft.com/office/drawing/2014/main" id="{E786F75A-32D1-0CD1-37D0-C598C12E5506}"/>
+              </a:ext>
+            </a:extLst>
+          </p:cNvPr>
+          <p:cNvCxnSpPr>
+            <a:cxnSpLocks/>
+            <a:stCxn id="18" idx="3"/>
+            <a:endCxn id="7" idx="1"/>
+          </p:cNvCxnSpPr>
+          <p:nvPr/>
+        </p:nvCxnSpPr>
+        <p:spPr>
+          <a:xfrm>
+            <a:off x="1911176" y="2318953"/>
+            <a:ext cx="1466337" cy="259493"/>
+          </a:xfrm>
+          <a:prstGeom prst="straightConnector1">
+            <a:avLst/>
+          </a:prstGeom>
+          <a:ln>
+            <a:tailEnd type="triangle"/>
+          </a:ln>
+        </p:spPr>
+        <p:style>
+          <a:lnRef idx="1">
+            <a:schemeClr val="accent1"/>
+          </a:lnRef>
+          <a:fillRef idx="0">
+            <a:schemeClr val="accent1"/>
+          </a:fillRef>
+          <a:effectRef idx="0">
+            <a:schemeClr val="accent1"/>
+          </a:effectRef>
+          <a:fontRef idx="minor">
+            <a:schemeClr val="tx1"/>
+          </a:fontRef>
+        </p:style>
+      </p:cxnSp>
+      <p:cxnSp>
+        <p:nvCxnSpPr>
+          <p:cNvPr id="22" name="Gerade Verbindung mit Pfeil 21">
+            <a:extLst>
+              <a:ext uri="{FF2B5EF4-FFF2-40B4-BE49-F238E27FC236}">
+                <a16:creationId xmlns:a16="http://schemas.microsoft.com/office/drawing/2014/main" id="{68AEC20B-EACA-DB21-DEAA-F6CA857190B9}"/>
+              </a:ext>
+            </a:extLst>
+          </p:cNvPr>
+          <p:cNvCxnSpPr>
+            <a:cxnSpLocks/>
+            <a:endCxn id="18" idx="1"/>
+          </p:cNvCxnSpPr>
+          <p:nvPr/>
+        </p:nvCxnSpPr>
+        <p:spPr>
+          <a:xfrm>
+            <a:off x="873208" y="2318953"/>
+            <a:ext cx="518984" cy="0"/>
+          </a:xfrm>
+          <a:prstGeom prst="straightConnector1">
+            <a:avLst/>
+          </a:prstGeom>
+          <a:ln>
+            <a:tailEnd type="triangle"/>
+          </a:ln>
+        </p:spPr>
+        <p:style>
+          <a:lnRef idx="1">
+            <a:schemeClr val="accent1"/>
+          </a:lnRef>
+          <a:fillRef idx="0">
+            <a:schemeClr val="accent1"/>
+          </a:fillRef>
+          <a:effectRef idx="0">
+            <a:schemeClr val="accent1"/>
+          </a:effectRef>
+          <a:fontRef idx="minor">
+            <a:schemeClr val="tx1"/>
+          </a:fontRef>
+        </p:style>
+      </p:cxnSp>
+    </p:spTree>
+    <p:extLst>
+      <p:ext uri="{BB962C8B-B14F-4D97-AF65-F5344CB8AC3E}">
+        <p14:creationId xmlns:p14="http://schemas.microsoft.com/office/powerpoint/2010/main" val="640396419"/>
+      </p:ext>
+    </p:extLst>
+  </p:cSld>
+  <p:clrMapOvr>
+    <a:masterClrMapping/>
+  </p:clrMapOvr>
+</p:sld>
+</file>
+
+<file path=ppt/slides/slide4.xml><?xml version="1.0" encoding="utf-8"?>
+<p:sld xmlns:a="http://schemas.openxmlformats.org/drawingml/2006/main" xmlns:r="http://schemas.openxmlformats.org/officeDocument/2006/relationships" xmlns:p="http://schemas.openxmlformats.org/presentationml/2006/main">
+  <p:cSld>
+    <p:spTree>
+      <p:nvGrpSpPr>
+        <p:cNvPr id="1" name=""/>
+        <p:cNvGrpSpPr/>
+        <p:nvPr/>
+      </p:nvGrpSpPr>
+      <p:grpSpPr>
+        <a:xfrm>
+          <a:off x="0" y="0"/>
+          <a:ext cx="0" cy="0"/>
+          <a:chOff x="0" y="0"/>
+          <a:chExt cx="0" cy="0"/>
+        </a:xfrm>
+      </p:grpSpPr>
+      <p:sp>
+        <p:nvSpPr>
+          <p:cNvPr id="2" name="Titel 1">
+            <a:extLst>
+              <a:ext uri="{FF2B5EF4-FFF2-40B4-BE49-F238E27FC236}">
+                <a16:creationId xmlns:a16="http://schemas.microsoft.com/office/drawing/2014/main" id="{64379837-29F0-3D70-64A8-AC8F03BF4DBF}"/>
+              </a:ext>
+            </a:extLst>
+          </p:cNvPr>
+          <p:cNvSpPr>
+            <a:spLocks noGrp="1"/>
+          </p:cNvSpPr>
+          <p:nvPr>
+            <p:ph type="title"/>
+          </p:nvPr>
+        </p:nvSpPr>
+        <p:spPr/>
+        <p:txBody>
+          <a:bodyPr/>
+          <a:lstStyle/>
+          <a:p>
+            <a:r>
+              <a:rPr lang="de-AT" dirty="0" err="1"/>
+              <a:t>Sending</a:t>
+            </a:r>
+            <a:r>
+              <a:rPr lang="de-AT" dirty="0"/>
+              <a:t> &amp; </a:t>
+            </a:r>
+            <a:r>
+              <a:rPr lang="de-AT" dirty="0" err="1"/>
+              <a:t>Receiving</a:t>
+            </a:r>
+            <a:r>
+              <a:rPr lang="de-AT" dirty="0"/>
+              <a:t> API</a:t>
+            </a:r>
+          </a:p>
+        </p:txBody>
+      </p:sp>
+      <p:sp>
+        <p:nvSpPr>
+          <p:cNvPr id="3" name="Inhaltsplatzhalter 2">
+            <a:extLst>
+              <a:ext uri="{FF2B5EF4-FFF2-40B4-BE49-F238E27FC236}">
+                <a16:creationId xmlns:a16="http://schemas.microsoft.com/office/drawing/2014/main" id="{18122C3F-EA11-F4BE-03ED-A5E331251843}"/>
+              </a:ext>
+            </a:extLst>
+          </p:cNvPr>
+          <p:cNvSpPr>
+            <a:spLocks noGrp="1"/>
+          </p:cNvSpPr>
+          <p:nvPr>
+            <p:ph idx="1"/>
+          </p:nvPr>
+        </p:nvSpPr>
+        <p:spPr/>
+        <p:txBody>
+          <a:bodyPr/>
+          <a:lstStyle/>
+          <a:p>
+            <a:r>
+              <a:rPr lang="de-AT" dirty="0"/>
+              <a:t>Die Abstraktion des Sendens und des Empfangens muss folgende Anforderungen erfüllen</a:t>
+            </a:r>
+          </a:p>
+          <a:p>
+            <a:pPr lvl="1"/>
+            <a:r>
+              <a:rPr lang="de-AT" dirty="0"/>
+              <a:t>In DE muss XTA2 verwendet werden</a:t>
+            </a:r>
+          </a:p>
+          <a:p>
+            <a:pPr lvl="1"/>
+            <a:r>
+              <a:rPr lang="de-AT" dirty="0"/>
+              <a:t>Außerhalb von DE können andere Technologien eingesetzt werden</a:t>
+            </a:r>
+          </a:p>
+        </p:txBody>
+      </p:sp>
+      <p:sp>
+        <p:nvSpPr>
+          <p:cNvPr id="4" name="Rechteck 3">
+            <a:extLst>
+              <a:ext uri="{FF2B5EF4-FFF2-40B4-BE49-F238E27FC236}">
+                <a16:creationId xmlns:a16="http://schemas.microsoft.com/office/drawing/2014/main" id="{B1FED882-B00C-D320-6FBC-BE518744BFAB}"/>
+              </a:ext>
+            </a:extLst>
+          </p:cNvPr>
+          <p:cNvSpPr/>
+          <p:nvPr/>
+        </p:nvSpPr>
+        <p:spPr>
+          <a:xfrm>
+            <a:off x="6829229" y="681037"/>
+            <a:ext cx="477734" cy="678206"/>
+          </a:xfrm>
+          <a:prstGeom prst="rect">
+            <a:avLst/>
+          </a:prstGeom>
+          <a:solidFill>
+            <a:srgbClr val="FF0000"/>
+          </a:solidFill>
+          <a:ln>
+            <a:solidFill>
+              <a:srgbClr val="C00000"/>
+            </a:solidFill>
+          </a:ln>
+        </p:spPr>
+        <p:style>
+          <a:lnRef idx="2">
+            <a:schemeClr val="accent1">
+              <a:shade val="50000"/>
+            </a:schemeClr>
+          </a:lnRef>
+          <a:fillRef idx="1">
+            <a:schemeClr val="accent1"/>
+          </a:fillRef>
+          <a:effectRef idx="0">
+            <a:schemeClr val="accent1"/>
+          </a:effectRef>
+          <a:fontRef idx="minor">
+            <a:schemeClr val="lt1"/>
+          </a:fontRef>
+        </p:style>
+        <p:txBody>
+          <a:bodyPr rtlCol="0" anchor="ctr"/>
+          <a:lstStyle/>
+          <a:p>
+            <a:pPr algn="ctr"/>
+            <a:r>
+              <a:rPr lang="de-AT" dirty="0"/>
+              <a:t>1</a:t>
+            </a:r>
+          </a:p>
+        </p:txBody>
+      </p:sp>
+    </p:spTree>
+    <p:extLst>
+      <p:ext uri="{BB962C8B-B14F-4D97-AF65-F5344CB8AC3E}">
+        <p14:creationId xmlns:p14="http://schemas.microsoft.com/office/powerpoint/2010/main" val="1698633902"/>
+      </p:ext>
+    </p:extLst>
+  </p:cSld>
+  <p:clrMapOvr>
+    <a:masterClrMapping/>
+  </p:clrMapOvr>
+</p:sld>
+</file>
+
+<file path=ppt/slides/slide5.xml><?xml version="1.0" encoding="utf-8"?>
+<p:sld xmlns:a="http://schemas.openxmlformats.org/drawingml/2006/main" xmlns:r="http://schemas.openxmlformats.org/officeDocument/2006/relationships" xmlns:p="http://schemas.openxmlformats.org/presentationml/2006/main">
+  <p:cSld>
+    <p:spTree>
+      <p:nvGrpSpPr>
+        <p:cNvPr id="1" name=""/>
+        <p:cNvGrpSpPr/>
+        <p:nvPr/>
+      </p:nvGrpSpPr>
+      <p:grpSpPr>
+        <a:xfrm>
+          <a:off x="0" y="0"/>
+          <a:ext cx="0" cy="0"/>
+          <a:chOff x="0" y="0"/>
+          <a:chExt cx="0" cy="0"/>
+        </a:xfrm>
+      </p:grpSpPr>
+      <p:sp>
+        <p:nvSpPr>
+          <p:cNvPr id="2" name="Titel 1">
+            <a:extLst>
+              <a:ext uri="{FF2B5EF4-FFF2-40B4-BE49-F238E27FC236}">
+                <a16:creationId xmlns:a16="http://schemas.microsoft.com/office/drawing/2014/main" id="{E2DD2565-83C7-6C83-AED7-80059D9A36EF}"/>
+              </a:ext>
+            </a:extLst>
+          </p:cNvPr>
+          <p:cNvSpPr>
+            <a:spLocks noGrp="1"/>
+          </p:cNvSpPr>
+          <p:nvPr>
+            <p:ph type="title"/>
+          </p:nvPr>
+        </p:nvSpPr>
+        <p:spPr/>
+        <p:txBody>
+          <a:bodyPr/>
+          <a:lstStyle/>
+          <a:p>
+            <a:r>
+              <a:rPr lang="de-AT" dirty="0"/>
+              <a:t>Validation API</a:t>
+            </a:r>
+          </a:p>
+        </p:txBody>
+      </p:sp>
+      <p:sp>
+        <p:nvSpPr>
+          <p:cNvPr id="3" name="Inhaltsplatzhalter 2">
+            <a:extLst>
+              <a:ext uri="{FF2B5EF4-FFF2-40B4-BE49-F238E27FC236}">
+                <a16:creationId xmlns:a16="http://schemas.microsoft.com/office/drawing/2014/main" id="{F433151D-3AA5-AF6D-C3AA-A05828945590}"/>
+              </a:ext>
+            </a:extLst>
+          </p:cNvPr>
+          <p:cNvSpPr>
+            <a:spLocks noGrp="1"/>
+          </p:cNvSpPr>
+          <p:nvPr>
+            <p:ph idx="1"/>
+          </p:nvPr>
+        </p:nvSpPr>
+        <p:spPr/>
+        <p:txBody>
+          <a:bodyPr/>
+          <a:lstStyle/>
+          <a:p>
+            <a:r>
+              <a:rPr lang="de-AT" dirty="0"/>
+              <a:t>Kein XTA notwendig</a:t>
+            </a:r>
+          </a:p>
+          <a:p>
+            <a:r>
+              <a:rPr lang="de-AT" dirty="0" err="1"/>
+              <a:t>Full</a:t>
+            </a:r>
+            <a:r>
+              <a:rPr lang="de-AT" dirty="0"/>
+              <a:t> </a:t>
+            </a:r>
+            <a:r>
+              <a:rPr lang="de-AT" dirty="0" err="1"/>
+              <a:t>Document</a:t>
+            </a:r>
+            <a:r>
+              <a:rPr lang="de-AT" dirty="0"/>
+              <a:t> Upload und dann Schematron Validierung</a:t>
+            </a:r>
+          </a:p>
+          <a:p>
+            <a:r>
+              <a:rPr lang="de-AT" dirty="0"/>
+              <a:t>Offene Punkte</a:t>
+            </a:r>
+          </a:p>
+          <a:p>
+            <a:pPr lvl="1"/>
+            <a:r>
+              <a:rPr lang="de-AT" dirty="0"/>
+              <a:t>Wie wird mit aktualisierten SCH-Regeln umgegangen</a:t>
+            </a:r>
+          </a:p>
+          <a:p>
+            <a:pPr lvl="2"/>
+            <a:r>
+              <a:rPr lang="de-AT" dirty="0"/>
+              <a:t>Verteilung muss generisch passieren</a:t>
+            </a:r>
+          </a:p>
+        </p:txBody>
+      </p:sp>
+      <p:sp>
+        <p:nvSpPr>
+          <p:cNvPr id="4" name="Rechteck 3">
+            <a:extLst>
+              <a:ext uri="{FF2B5EF4-FFF2-40B4-BE49-F238E27FC236}">
+                <a16:creationId xmlns:a16="http://schemas.microsoft.com/office/drawing/2014/main" id="{CA7F2D80-0DC4-161A-DA7D-3AE1FE29532A}"/>
+              </a:ext>
+            </a:extLst>
+          </p:cNvPr>
+          <p:cNvSpPr/>
+          <p:nvPr/>
+        </p:nvSpPr>
+        <p:spPr>
+          <a:xfrm>
+            <a:off x="4823285" y="608992"/>
+            <a:ext cx="605449" cy="733776"/>
+          </a:xfrm>
+          <a:prstGeom prst="rect">
+            <a:avLst/>
+          </a:prstGeom>
+          <a:solidFill>
+            <a:srgbClr val="FF0000"/>
+          </a:solidFill>
+          <a:ln>
+            <a:solidFill>
+              <a:srgbClr val="C00000"/>
+            </a:solidFill>
+          </a:ln>
+        </p:spPr>
+        <p:style>
+          <a:lnRef idx="2">
+            <a:schemeClr val="accent1">
+              <a:shade val="50000"/>
+            </a:schemeClr>
+          </a:lnRef>
+          <a:fillRef idx="1">
+            <a:schemeClr val="accent1"/>
+          </a:fillRef>
+          <a:effectRef idx="0">
+            <a:schemeClr val="accent1"/>
+          </a:effectRef>
+          <a:fontRef idx="minor">
+            <a:schemeClr val="lt1"/>
+          </a:fontRef>
+        </p:style>
+        <p:txBody>
+          <a:bodyPr rtlCol="0" anchor="ctr"/>
+          <a:lstStyle/>
+          <a:p>
+            <a:pPr algn="ctr"/>
+            <a:r>
+              <a:rPr lang="de-AT" dirty="0"/>
+              <a:t>2</a:t>
+            </a:r>
+          </a:p>
+        </p:txBody>
+      </p:sp>
+    </p:spTree>
+    <p:extLst>
+      <p:ext uri="{BB962C8B-B14F-4D97-AF65-F5344CB8AC3E}">
+        <p14:creationId xmlns:p14="http://schemas.microsoft.com/office/powerpoint/2010/main" val="1278074093"/>
+      </p:ext>
+    </p:extLst>
+  </p:cSld>
+  <p:clrMapOvr>
+    <a:masterClrMapping/>
+  </p:clrMapOvr>
+</p:sld>
+</file>
+
+<file path=ppt/slides/slide6.xml><?xml version="1.0" encoding="utf-8"?>
+<p:sld xmlns:a="http://schemas.openxmlformats.org/drawingml/2006/main" xmlns:r="http://schemas.openxmlformats.org/officeDocument/2006/relationships" xmlns:p="http://schemas.openxmlformats.org/presentationml/2006/main">
+  <p:cSld>
+    <p:spTree>
+      <p:nvGrpSpPr>
+        <p:cNvPr id="1" name=""/>
+        <p:cNvGrpSpPr/>
+        <p:nvPr/>
+      </p:nvGrpSpPr>
+      <p:grpSpPr>
+        <a:xfrm>
+          <a:off x="0" y="0"/>
+          <a:ext cx="0" cy="0"/>
+          <a:chOff x="0" y="0"/>
+          <a:chExt cx="0" cy="0"/>
+        </a:xfrm>
+      </p:grpSpPr>
+      <p:sp>
+        <p:nvSpPr>
+          <p:cNvPr id="2" name="Titel 1">
+            <a:extLst>
+              <a:ext uri="{FF2B5EF4-FFF2-40B4-BE49-F238E27FC236}">
+                <a16:creationId xmlns:a16="http://schemas.microsoft.com/office/drawing/2014/main" id="{E2DD2565-83C7-6C83-AED7-80059D9A36EF}"/>
+              </a:ext>
+            </a:extLst>
+          </p:cNvPr>
+          <p:cNvSpPr>
+            <a:spLocks noGrp="1"/>
+          </p:cNvSpPr>
+          <p:nvPr>
+            <p:ph type="title"/>
+          </p:nvPr>
+        </p:nvSpPr>
+        <p:spPr/>
+        <p:txBody>
+          <a:bodyPr/>
+          <a:lstStyle/>
+          <a:p>
+            <a:r>
+              <a:rPr lang="de-AT" dirty="0"/>
+              <a:t>Auditing</a:t>
+            </a:r>
+          </a:p>
+        </p:txBody>
+      </p:sp>
+      <p:sp>
+        <p:nvSpPr>
+          <p:cNvPr id="3" name="Inhaltsplatzhalter 2">
+            <a:extLst>
+              <a:ext uri="{FF2B5EF4-FFF2-40B4-BE49-F238E27FC236}">
+                <a16:creationId xmlns:a16="http://schemas.microsoft.com/office/drawing/2014/main" id="{F433151D-3AA5-AF6D-C3AA-A05828945590}"/>
+              </a:ext>
+            </a:extLst>
+          </p:cNvPr>
+          <p:cNvSpPr>
+            <a:spLocks noGrp="1"/>
+          </p:cNvSpPr>
+          <p:nvPr>
+            <p:ph idx="1"/>
+          </p:nvPr>
+        </p:nvSpPr>
+        <p:spPr>
+          <a:xfrm>
+            <a:off x="838200" y="1825625"/>
+            <a:ext cx="10515600" cy="4667250"/>
+          </a:xfrm>
+        </p:spPr>
+        <p:txBody>
+          <a:bodyPr>
+            <a:normAutofit fontScale="92500" lnSpcReduction="20000"/>
+          </a:bodyPr>
+          <a:lstStyle/>
+          <a:p>
+            <a:r>
+              <a:rPr lang="de-AT" dirty="0"/>
+              <a:t>Getrennt von </a:t>
+            </a:r>
+            <a:r>
+              <a:rPr lang="de-AT" dirty="0" err="1"/>
+              <a:t>Logging</a:t>
+            </a:r>
+            <a:endParaRPr lang="de-AT" dirty="0"/>
+          </a:p>
+          <a:p>
+            <a:r>
+              <a:rPr lang="de-AT" dirty="0"/>
+              <a:t>Generische „Audit-Daten“ (aka Event)</a:t>
+            </a:r>
+          </a:p>
+          <a:p>
+            <a:pPr lvl="1"/>
+            <a:r>
+              <a:rPr lang="de-AT" dirty="0"/>
+              <a:t>Date + Time (bis inkl. Millisekunde)</a:t>
+            </a:r>
+          </a:p>
+          <a:p>
+            <a:pPr lvl="1"/>
+            <a:r>
+              <a:rPr lang="de-AT" dirty="0"/>
+              <a:t>ID (für konsistente Reihenfolge; muss keine UUID sein; fortlaufende ID pro Tag reicht)</a:t>
+            </a:r>
+          </a:p>
+          <a:p>
+            <a:pPr lvl="1"/>
+            <a:r>
+              <a:rPr lang="de-AT" dirty="0" err="1"/>
+              <a:t>Author</a:t>
+            </a:r>
+            <a:r>
+              <a:rPr lang="de-AT" dirty="0"/>
+              <a:t> (User ID, System ID)</a:t>
+            </a:r>
+          </a:p>
+          <a:p>
+            <a:pPr lvl="1"/>
+            <a:r>
+              <a:rPr lang="de-AT" dirty="0" err="1"/>
+              <a:t>Severity</a:t>
+            </a:r>
+            <a:r>
+              <a:rPr lang="de-AT" dirty="0"/>
+              <a:t> (Info, Warn, Error, …)</a:t>
+            </a:r>
+          </a:p>
+          <a:p>
+            <a:pPr lvl="1"/>
+            <a:r>
+              <a:rPr lang="de-AT" dirty="0"/>
+              <a:t>Typ der Aktion (Read, Write, Modify, Execute, Other)</a:t>
+            </a:r>
+          </a:p>
+          <a:p>
+            <a:pPr lvl="1"/>
+            <a:r>
+              <a:rPr lang="de-AT" dirty="0"/>
+              <a:t>Ergebnis der Aktion (</a:t>
+            </a:r>
+            <a:r>
+              <a:rPr lang="de-AT" dirty="0" err="1"/>
+              <a:t>Success</a:t>
+            </a:r>
+            <a:r>
+              <a:rPr lang="de-AT" dirty="0"/>
+              <a:t>, </a:t>
+            </a:r>
+            <a:r>
+              <a:rPr lang="de-AT" dirty="0" err="1"/>
+              <a:t>Failure</a:t>
+            </a:r>
+            <a:r>
+              <a:rPr lang="de-AT" dirty="0"/>
+              <a:t>, </a:t>
+            </a:r>
+            <a:r>
+              <a:rPr lang="de-AT" dirty="0" err="1"/>
+              <a:t>Undefined</a:t>
+            </a:r>
+            <a:r>
+              <a:rPr lang="de-AT" dirty="0"/>
+              <a:t>)</a:t>
+            </a:r>
+          </a:p>
+          <a:p>
+            <a:pPr lvl="1"/>
+            <a:r>
+              <a:rPr lang="de-AT" dirty="0"/>
+              <a:t>Audit-Content (String, JSON)</a:t>
+            </a:r>
+          </a:p>
+          <a:p>
+            <a:r>
+              <a:rPr lang="de-AT" dirty="0"/>
+              <a:t>Flexibles Audit-Persistenz-Backend</a:t>
+            </a:r>
+          </a:p>
+          <a:p>
+            <a:pPr lvl="1"/>
+            <a:r>
+              <a:rPr lang="de-AT" dirty="0"/>
+              <a:t>Z.B: Datei, Datenbank, S3, Kafka, /</a:t>
+            </a:r>
+            <a:r>
+              <a:rPr lang="de-AT" dirty="0" err="1"/>
+              <a:t>dev</a:t>
+            </a:r>
+            <a:r>
+              <a:rPr lang="de-AT" dirty="0"/>
+              <a:t>/null, ….</a:t>
+            </a:r>
+          </a:p>
+          <a:p>
+            <a:r>
+              <a:rPr lang="de-AT" dirty="0"/>
+              <a:t>SDG Connector: </a:t>
+            </a:r>
+            <a:r>
+              <a:rPr lang="de-AT" dirty="0" err="1"/>
+              <a:t>write-only</a:t>
+            </a:r>
+            <a:endParaRPr lang="de-AT" dirty="0"/>
+          </a:p>
+          <a:p>
+            <a:r>
+              <a:rPr lang="de-AT" dirty="0"/>
+              <a:t>Zusätzliches </a:t>
+            </a:r>
+            <a:r>
+              <a:rPr lang="de-AT" dirty="0" err="1"/>
+              <a:t>Todo</a:t>
+            </a:r>
+            <a:r>
+              <a:rPr lang="de-AT" dirty="0"/>
+              <a:t>: </a:t>
+            </a:r>
+            <a:r>
+              <a:rPr lang="de-AT" dirty="0" err="1"/>
+              <a:t>Governance</a:t>
+            </a:r>
+            <a:r>
+              <a:rPr lang="de-AT" dirty="0"/>
+              <a:t> für Audit-Daten definieren (inkl. Löschfristen)</a:t>
+            </a:r>
+          </a:p>
+        </p:txBody>
+      </p:sp>
+      <p:sp>
+        <p:nvSpPr>
+          <p:cNvPr id="4" name="Rechteck 3">
+            <a:extLst>
+              <a:ext uri="{FF2B5EF4-FFF2-40B4-BE49-F238E27FC236}">
+                <a16:creationId xmlns:a16="http://schemas.microsoft.com/office/drawing/2014/main" id="{CA7F2D80-0DC4-161A-DA7D-3AE1FE29532A}"/>
+              </a:ext>
+            </a:extLst>
+          </p:cNvPr>
+          <p:cNvSpPr/>
+          <p:nvPr/>
+        </p:nvSpPr>
+        <p:spPr>
+          <a:xfrm>
+            <a:off x="4823285" y="608992"/>
+            <a:ext cx="605449" cy="733776"/>
+          </a:xfrm>
+          <a:prstGeom prst="rect">
+            <a:avLst/>
+          </a:prstGeom>
+          <a:solidFill>
+            <a:srgbClr val="FF0000"/>
+          </a:solidFill>
+          <a:ln>
+            <a:solidFill>
+              <a:srgbClr val="C00000"/>
+            </a:solidFill>
+          </a:ln>
+        </p:spPr>
+        <p:style>
+          <a:lnRef idx="2">
+            <a:schemeClr val="accent1">
+              <a:shade val="50000"/>
+            </a:schemeClr>
+          </a:lnRef>
+          <a:fillRef idx="1">
+            <a:schemeClr val="accent1"/>
+          </a:fillRef>
+          <a:effectRef idx="0">
+            <a:schemeClr val="accent1"/>
+          </a:effectRef>
+          <a:fontRef idx="minor">
+            <a:schemeClr val="lt1"/>
+          </a:fontRef>
+        </p:style>
+        <p:txBody>
+          <a:bodyPr rtlCol="0" anchor="ctr"/>
+          <a:lstStyle/>
+          <a:p>
+            <a:pPr algn="ctr"/>
+            <a:r>
+              <a:rPr lang="de-AT" dirty="0"/>
+              <a:t>3</a:t>
+            </a:r>
+          </a:p>
+        </p:txBody>
+      </p:sp>
+    </p:spTree>
+    <p:extLst>
+      <p:ext uri="{BB962C8B-B14F-4D97-AF65-F5344CB8AC3E}">
+        <p14:creationId xmlns:p14="http://schemas.microsoft.com/office/powerpoint/2010/main" val="1075935398"/>
+      </p:ext>
+    </p:extLst>
+  </p:cSld>
+  <p:clrMapOvr>
+    <a:masterClrMapping/>
+  </p:clrMapOvr>
+</p:sld>
+</file>
+
+<file path=ppt/slides/slide7.xml><?xml version="1.0" encoding="utf-8"?>
+<p:sld xmlns:a="http://schemas.openxmlformats.org/drawingml/2006/main" xmlns:r="http://schemas.openxmlformats.org/officeDocument/2006/relationships" xmlns:p="http://schemas.openxmlformats.org/presentationml/2006/main">
+  <p:cSld>
+    <p:spTree>
+      <p:nvGrpSpPr>
+        <p:cNvPr id="1" name=""/>
+        <p:cNvGrpSpPr/>
+        <p:nvPr/>
+      </p:nvGrpSpPr>
+      <p:grpSpPr>
+        <a:xfrm>
+          <a:off x="0" y="0"/>
+          <a:ext cx="0" cy="0"/>
+          <a:chOff x="0" y="0"/>
+          <a:chExt cx="0" cy="0"/>
+        </a:xfrm>
+      </p:grpSpPr>
+      <p:sp>
+        <p:nvSpPr>
+          <p:cNvPr id="2" name="Titel 1">
+            <a:extLst>
+              <a:ext uri="{FF2B5EF4-FFF2-40B4-BE49-F238E27FC236}">
+                <a16:creationId xmlns:a16="http://schemas.microsoft.com/office/drawing/2014/main" id="{99998A84-44CA-6AFA-7595-7B5E6A432845}"/>
+              </a:ext>
+            </a:extLst>
+          </p:cNvPr>
+          <p:cNvSpPr>
+            <a:spLocks noGrp="1"/>
+          </p:cNvSpPr>
+          <p:nvPr>
+            <p:ph type="title"/>
+          </p:nvPr>
+        </p:nvSpPr>
+        <p:spPr/>
+        <p:txBody>
+          <a:bodyPr/>
+          <a:lstStyle/>
+          <a:p>
+            <a:r>
+              <a:rPr lang="de-AT" dirty="0"/>
+              <a:t>Connection Details </a:t>
+            </a:r>
+          </a:p>
+        </p:txBody>
+      </p:sp>
+      <p:sp>
+        <p:nvSpPr>
+          <p:cNvPr id="3" name="Inhaltsplatzhalter 2">
+            <a:extLst>
+              <a:ext uri="{FF2B5EF4-FFF2-40B4-BE49-F238E27FC236}">
+                <a16:creationId xmlns:a16="http://schemas.microsoft.com/office/drawing/2014/main" id="{0AFC8F61-E8BB-73A4-FDBE-FABE415B4300}"/>
+              </a:ext>
+            </a:extLst>
+          </p:cNvPr>
+          <p:cNvSpPr>
+            <a:spLocks noGrp="1"/>
+          </p:cNvSpPr>
+          <p:nvPr>
+            <p:ph idx="1"/>
+          </p:nvPr>
+        </p:nvSpPr>
+        <p:spPr>
+          <a:xfrm>
+            <a:off x="838200" y="1504255"/>
+            <a:ext cx="10515600" cy="5353745"/>
+          </a:xfrm>
+        </p:spPr>
+        <p:txBody>
+          <a:bodyPr>
+            <a:normAutofit fontScale="85000" lnSpcReduction="20000"/>
+          </a:bodyPr>
+          <a:lstStyle/>
+          <a:p>
+            <a:r>
+              <a:rPr lang="de-AT" dirty="0"/>
+              <a:t>Verbindungsdatenmanagement zu entfernen „SDG </a:t>
+            </a:r>
+            <a:r>
+              <a:rPr lang="de-AT" dirty="0" err="1"/>
+              <a:t>Connectoren</a:t>
+            </a:r>
+            <a:r>
+              <a:rPr lang="de-AT" dirty="0"/>
+              <a:t>“ (den AS4 Gateways der Anderen)</a:t>
+            </a:r>
+          </a:p>
+          <a:p>
+            <a:r>
+              <a:rPr lang="de-AT" dirty="0"/>
+              <a:t>Backend: Datei, DB [präferiert], …</a:t>
+            </a:r>
+          </a:p>
+          <a:p>
+            <a:r>
+              <a:rPr lang="de-AT" dirty="0"/>
+              <a:t>Pro Empfänger muss konfiguriert werden können</a:t>
+            </a:r>
+          </a:p>
+          <a:p>
+            <a:pPr lvl="1"/>
+            <a:r>
+              <a:rPr lang="de-AT" dirty="0"/>
+              <a:t>Empfänger ID (Access Service ID aus der DSD Antwort; VARCHAR(256))</a:t>
+            </a:r>
+          </a:p>
+          <a:p>
+            <a:pPr lvl="1"/>
+            <a:r>
+              <a:rPr lang="de-AT" dirty="0"/>
+              <a:t>AS4 Endpunkt URL (AS4 MSH URL; VARCHAR(4096))</a:t>
+            </a:r>
+          </a:p>
+          <a:p>
+            <a:pPr lvl="1"/>
+            <a:r>
+              <a:rPr lang="de-AT" dirty="0"/>
+              <a:t>Public X.509-Zertifikat zum AS4 verschlüsseln (PEM </a:t>
+            </a:r>
+            <a:r>
+              <a:rPr lang="de-AT" dirty="0" err="1"/>
+              <a:t>encoded</a:t>
+            </a:r>
+            <a:r>
+              <a:rPr lang="de-AT" dirty="0"/>
+              <a:t> [„-----BEGIN CERTIFICATE-----\n … -----END CERTIFICATE-----\n“] ; CLOB-Feld)</a:t>
+            </a:r>
+          </a:p>
+          <a:p>
+            <a:pPr lvl="1"/>
+            <a:r>
+              <a:rPr lang="de-AT" dirty="0"/>
+              <a:t>TLS CA </a:t>
+            </a:r>
+            <a:r>
+              <a:rPr lang="de-AT" dirty="0" err="1"/>
+              <a:t>Certificate</a:t>
+            </a:r>
+            <a:r>
+              <a:rPr lang="de-AT" dirty="0"/>
+              <a:t> Chain (auch als PEM </a:t>
+            </a:r>
+            <a:r>
+              <a:rPr lang="de-AT" dirty="0" err="1"/>
+              <a:t>encoded</a:t>
+            </a:r>
+            <a:r>
+              <a:rPr lang="de-AT" dirty="0"/>
+              <a:t> Liste von Zertifikaten; CLOB-Feld)</a:t>
+            </a:r>
+          </a:p>
+          <a:p>
+            <a:r>
+              <a:rPr lang="de-AT" dirty="0"/>
+              <a:t>Konsequenz: jede Transaktion erfordert mehrere, dynamisch generierte Trust Stores</a:t>
+            </a:r>
+          </a:p>
+          <a:p>
+            <a:pPr lvl="1"/>
+            <a:r>
+              <a:rPr lang="de-AT" dirty="0"/>
+              <a:t>Aus Security-Gründen wird TLS pro Empfänger konfiguriert und nicht in einen Pool geworfen</a:t>
+            </a:r>
+          </a:p>
+          <a:p>
+            <a:r>
+              <a:rPr lang="de-AT" dirty="0"/>
+              <a:t>Notwendige Aktionen:</a:t>
+            </a:r>
+          </a:p>
+          <a:p>
+            <a:pPr lvl="1"/>
+            <a:r>
+              <a:rPr lang="de-AT" dirty="0"/>
+              <a:t>Finde die Connection Details einer Empfänger-ID („</a:t>
+            </a:r>
+            <a:r>
+              <a:rPr lang="de-AT" dirty="0" err="1"/>
+              <a:t>get</a:t>
+            </a:r>
+            <a:r>
+              <a:rPr lang="de-AT" dirty="0"/>
+              <a:t>“)</a:t>
+            </a:r>
+          </a:p>
+          <a:p>
+            <a:pPr lvl="1"/>
+            <a:r>
+              <a:rPr lang="de-AT" dirty="0"/>
+              <a:t>Create and Update Connection Details einer Empfänger-ID („</a:t>
+            </a:r>
+            <a:r>
+              <a:rPr lang="de-AT" dirty="0" err="1"/>
+              <a:t>set</a:t>
+            </a:r>
+            <a:r>
+              <a:rPr lang="de-AT" dirty="0"/>
+              <a:t>“ mit ID, URL, </a:t>
+            </a:r>
+            <a:r>
+              <a:rPr lang="de-AT" dirty="0" err="1"/>
+              <a:t>Zert</a:t>
+            </a:r>
+            <a:r>
+              <a:rPr lang="de-AT" dirty="0"/>
+              <a:t>)</a:t>
+            </a:r>
+          </a:p>
+          <a:p>
+            <a:pPr lvl="1"/>
+            <a:r>
+              <a:rPr lang="de-AT" dirty="0"/>
+              <a:t>Sämtliche schreibende Aktionen müssen im Audit landen</a:t>
+            </a:r>
+          </a:p>
+        </p:txBody>
+      </p:sp>
+      <p:sp>
+        <p:nvSpPr>
+          <p:cNvPr id="4" name="Rechteck 3">
+            <a:extLst>
+              <a:ext uri="{FF2B5EF4-FFF2-40B4-BE49-F238E27FC236}">
+                <a16:creationId xmlns:a16="http://schemas.microsoft.com/office/drawing/2014/main" id="{53FB5C3A-047C-5117-3593-B4D132BB3377}"/>
+              </a:ext>
+            </a:extLst>
+          </p:cNvPr>
+          <p:cNvSpPr/>
+          <p:nvPr/>
+        </p:nvSpPr>
+        <p:spPr>
+          <a:xfrm>
+            <a:off x="5597642" y="567802"/>
+            <a:ext cx="605449" cy="733776"/>
+          </a:xfrm>
+          <a:prstGeom prst="rect">
+            <a:avLst/>
+          </a:prstGeom>
+          <a:solidFill>
+            <a:srgbClr val="FF0000"/>
+          </a:solidFill>
+          <a:ln>
+            <a:solidFill>
+              <a:srgbClr val="C00000"/>
+            </a:solidFill>
+          </a:ln>
+        </p:spPr>
+        <p:style>
+          <a:lnRef idx="2">
+            <a:schemeClr val="accent1">
+              <a:shade val="50000"/>
+            </a:schemeClr>
+          </a:lnRef>
+          <a:fillRef idx="1">
+            <a:schemeClr val="accent1"/>
+          </a:fillRef>
+          <a:effectRef idx="0">
+            <a:schemeClr val="accent1"/>
+          </a:effectRef>
+          <a:fontRef idx="minor">
+            <a:schemeClr val="lt1"/>
+          </a:fontRef>
+        </p:style>
+        <p:txBody>
+          <a:bodyPr rtlCol="0" anchor="ctr"/>
+          <a:lstStyle/>
+          <a:p>
+            <a:pPr algn="ctr"/>
+            <a:r>
+              <a:rPr lang="de-AT" dirty="0"/>
+              <a:t>4</a:t>
+            </a:r>
+          </a:p>
+        </p:txBody>
+      </p:sp>
+    </p:spTree>
+    <p:extLst>
+      <p:ext uri="{BB962C8B-B14F-4D97-AF65-F5344CB8AC3E}">
+        <p14:creationId xmlns:p14="http://schemas.microsoft.com/office/powerpoint/2010/main" val="1427762000"/>
+      </p:ext>
+    </p:extLst>
+  </p:cSld>
+  <p:clrMapOvr>
+    <a:masterClrMapping/>
+  </p:clrMapOvr>
+</p:sld>
+</file>
+
+<file path=ppt/slides/slide8.xml><?xml version="1.0" encoding="utf-8"?>
+<p:sld xmlns:a="http://schemas.openxmlformats.org/drawingml/2006/main" xmlns:r="http://schemas.openxmlformats.org/officeDocument/2006/relationships" xmlns:p="http://schemas.openxmlformats.org/presentationml/2006/main">
+  <p:cSld>
+    <p:spTree>
+      <p:nvGrpSpPr>
+        <p:cNvPr id="1" name=""/>
+        <p:cNvGrpSpPr/>
+        <p:nvPr/>
+      </p:nvGrpSpPr>
+      <p:grpSpPr>
+        <a:xfrm>
+          <a:off x="0" y="0"/>
+          <a:ext cx="0" cy="0"/>
+          <a:chOff x="0" y="0"/>
+          <a:chExt cx="0" cy="0"/>
+        </a:xfrm>
+      </p:grpSpPr>
+      <p:sp>
+        <p:nvSpPr>
+          <p:cNvPr id="2" name="Titel 1">
+            <a:extLst>
+              <a:ext uri="{FF2B5EF4-FFF2-40B4-BE49-F238E27FC236}">
+                <a16:creationId xmlns:a16="http://schemas.microsoft.com/office/drawing/2014/main" id="{99998A84-44CA-6AFA-7595-7B5E6A432845}"/>
+              </a:ext>
+            </a:extLst>
+          </p:cNvPr>
+          <p:cNvSpPr>
+            <a:spLocks noGrp="1"/>
+          </p:cNvSpPr>
+          <p:nvPr>
+            <p:ph type="title"/>
+          </p:nvPr>
+        </p:nvSpPr>
+        <p:spPr/>
+        <p:txBody>
+          <a:bodyPr/>
+          <a:lstStyle/>
+          <a:p>
+            <a:r>
+              <a:rPr lang="de-AT" dirty="0" err="1"/>
+              <a:t>Certificate</a:t>
+            </a:r>
+            <a:r>
+              <a:rPr lang="de-AT" dirty="0"/>
+              <a:t> </a:t>
+            </a:r>
+            <a:r>
+              <a:rPr lang="de-AT" dirty="0" err="1"/>
+              <a:t>Configuration</a:t>
+            </a:r>
+            <a:r>
+              <a:rPr lang="de-AT" dirty="0"/>
+              <a:t> [AS4]</a:t>
+            </a:r>
+          </a:p>
+        </p:txBody>
+      </p:sp>
+      <p:sp>
+        <p:nvSpPr>
+          <p:cNvPr id="3" name="Inhaltsplatzhalter 2">
+            <a:extLst>
+              <a:ext uri="{FF2B5EF4-FFF2-40B4-BE49-F238E27FC236}">
+                <a16:creationId xmlns:a16="http://schemas.microsoft.com/office/drawing/2014/main" id="{0AFC8F61-E8BB-73A4-FDBE-FABE415B4300}"/>
+              </a:ext>
+            </a:extLst>
+          </p:cNvPr>
+          <p:cNvSpPr>
+            <a:spLocks noGrp="1"/>
+          </p:cNvSpPr>
+          <p:nvPr>
+            <p:ph idx="1"/>
+          </p:nvPr>
+        </p:nvSpPr>
+        <p:spPr/>
+        <p:txBody>
+          <a:bodyPr/>
+          <a:lstStyle/>
+          <a:p>
+            <a:r>
+              <a:rPr lang="de-AT" dirty="0"/>
+              <a:t>Ziel: Verwaltung der eigenen AS4 Zertifikate</a:t>
+            </a:r>
+          </a:p>
+          <a:p>
+            <a:pPr lvl="1"/>
+            <a:r>
+              <a:rPr lang="de-AT" dirty="0"/>
+              <a:t>Unterscheidung </a:t>
+            </a:r>
+            <a:r>
+              <a:rPr lang="de-AT" dirty="0" err="1"/>
+              <a:t>sign</a:t>
+            </a:r>
+            <a:r>
+              <a:rPr lang="de-AT" dirty="0"/>
+              <a:t>/</a:t>
+            </a:r>
+            <a:r>
+              <a:rPr lang="de-AT" dirty="0" err="1"/>
+              <a:t>crypt</a:t>
+            </a:r>
+            <a:r>
+              <a:rPr lang="de-AT" dirty="0"/>
+              <a:t> Zertifikate vordenken</a:t>
+            </a:r>
+          </a:p>
+          <a:p>
+            <a:pPr lvl="1"/>
+            <a:r>
+              <a:rPr lang="de-AT" dirty="0"/>
+              <a:t>Historische Daten sollen einfach überprüfbar sein </a:t>
+            </a:r>
+            <a:r>
+              <a:rPr lang="de-AT" dirty="0">
+                <a:sym typeface="Wingdings" panose="05000000000000000000" pitchFamily="2" charset="2"/>
+              </a:rPr>
+              <a:t> alte Zertifikate aufheben</a:t>
+            </a:r>
+          </a:p>
+          <a:p>
+            <a:pPr lvl="1"/>
+            <a:r>
+              <a:rPr lang="de-AT" dirty="0">
+                <a:sym typeface="Wingdings" panose="05000000000000000000" pitchFamily="2" charset="2"/>
+              </a:rPr>
+              <a:t>Andenken: bei Änderung, Notifikation der EU-Partner</a:t>
+            </a:r>
+          </a:p>
+          <a:p>
+            <a:pPr lvl="1"/>
+            <a:r>
+              <a:rPr lang="de-AT" dirty="0">
+                <a:sym typeface="Wingdings" panose="05000000000000000000" pitchFamily="2" charset="2"/>
+              </a:rPr>
+              <a:t>Andenken: Unterstützung von PKCS11 (HSM)</a:t>
+            </a:r>
+          </a:p>
+          <a:p>
+            <a:pPr lvl="1"/>
+            <a:r>
+              <a:rPr lang="de-AT" dirty="0"/>
+              <a:t>Aktualisierung des </a:t>
+            </a:r>
+            <a:r>
+              <a:rPr lang="de-AT" dirty="0" err="1"/>
+              <a:t>Keystores</a:t>
+            </a:r>
+            <a:r>
+              <a:rPr lang="de-AT" dirty="0"/>
+              <a:t> und Truststores zur Laufzeit</a:t>
+            </a:r>
+            <a:r>
+              <a:rPr lang="de-AT" dirty="0">
+                <a:sym typeface="Wingdings" panose="05000000000000000000" pitchFamily="2" charset="2"/>
+              </a:rPr>
+              <a:t> (via „Trigger“)</a:t>
+            </a:r>
+            <a:endParaRPr lang="de-AT" dirty="0"/>
+          </a:p>
+          <a:p>
+            <a:r>
+              <a:rPr lang="de-AT" dirty="0"/>
+              <a:t>Nicht-Ziel:</a:t>
+            </a:r>
+          </a:p>
+          <a:p>
+            <a:pPr lvl="1"/>
+            <a:r>
+              <a:rPr lang="de-AT" dirty="0"/>
+              <a:t>Verwaltung der TLS-Zertifikate</a:t>
+            </a:r>
+          </a:p>
+          <a:p>
+            <a:r>
+              <a:rPr lang="de-AT" dirty="0"/>
+              <a:t>Sämtliche schreibende Aktionen müssen im Audit landen</a:t>
+            </a:r>
+          </a:p>
+        </p:txBody>
+      </p:sp>
+      <p:sp>
+        <p:nvSpPr>
+          <p:cNvPr id="4" name="Rechteck 3">
+            <a:extLst>
+              <a:ext uri="{FF2B5EF4-FFF2-40B4-BE49-F238E27FC236}">
+                <a16:creationId xmlns:a16="http://schemas.microsoft.com/office/drawing/2014/main" id="{53FB5C3A-047C-5117-3593-B4D132BB3377}"/>
+              </a:ext>
+            </a:extLst>
+          </p:cNvPr>
+          <p:cNvSpPr/>
+          <p:nvPr/>
+        </p:nvSpPr>
+        <p:spPr>
+          <a:xfrm>
+            <a:off x="8019569" y="621838"/>
+            <a:ext cx="605449" cy="733776"/>
+          </a:xfrm>
+          <a:prstGeom prst="rect">
+            <a:avLst/>
+          </a:prstGeom>
+          <a:solidFill>
+            <a:srgbClr val="FF0000"/>
+          </a:solidFill>
+          <a:ln>
+            <a:solidFill>
+              <a:srgbClr val="C00000"/>
+            </a:solidFill>
+          </a:ln>
+        </p:spPr>
+        <p:style>
+          <a:lnRef idx="2">
+            <a:schemeClr val="accent1">
+              <a:shade val="50000"/>
+            </a:schemeClr>
+          </a:lnRef>
+          <a:fillRef idx="1">
+            <a:schemeClr val="accent1"/>
+          </a:fillRef>
+          <a:effectRef idx="0">
+            <a:schemeClr val="accent1"/>
+          </a:effectRef>
+          <a:fontRef idx="minor">
+            <a:schemeClr val="lt1"/>
+          </a:fontRef>
+        </p:style>
+        <p:txBody>
+          <a:bodyPr rtlCol="0" anchor="ctr"/>
+          <a:lstStyle/>
+          <a:p>
+            <a:pPr algn="ctr"/>
+            <a:r>
+              <a:rPr lang="de-AT" dirty="0"/>
+              <a:t>5</a:t>
+            </a:r>
+          </a:p>
+        </p:txBody>
+      </p:sp>
+    </p:spTree>
+    <p:extLst>
+      <p:ext uri="{BB962C8B-B14F-4D97-AF65-F5344CB8AC3E}">
+        <p14:creationId xmlns:p14="http://schemas.microsoft.com/office/powerpoint/2010/main" val="3332987868"/>
+      </p:ext>
+    </p:extLst>
+  </p:cSld>
+  <p:clrMapOvr>
+    <a:masterClrMapping/>
+  </p:clrMapOvr>
+</p:sld>
+</file>
+
+<file path=ppt/slides/slide9.xml><?xml version="1.0" encoding="utf-8"?>
+<p:sld xmlns:a="http://schemas.openxmlformats.org/drawingml/2006/main" xmlns:r="http://schemas.openxmlformats.org/officeDocument/2006/relationships" xmlns:p="http://schemas.openxmlformats.org/presentationml/2006/main">
+  <p:cSld>
+    <p:spTree>
+      <p:nvGrpSpPr>
+        <p:cNvPr id="1" name=""/>
+        <p:cNvGrpSpPr/>
+        <p:nvPr/>
+      </p:nvGrpSpPr>
+      <p:grpSpPr>
+        <a:xfrm>
+          <a:off x="0" y="0"/>
+          <a:ext cx="0" cy="0"/>
+          <a:chOff x="0" y="0"/>
+          <a:chExt cx="0" cy="0"/>
+        </a:xfrm>
+      </p:grpSpPr>
+      <p:sp>
+        <p:nvSpPr>
+          <p:cNvPr id="2" name="Titel 1">
+            <a:extLst>
+              <a:ext uri="{FF2B5EF4-FFF2-40B4-BE49-F238E27FC236}">
+                <a16:creationId xmlns:a16="http://schemas.microsoft.com/office/drawing/2014/main" id="{E511ADE9-B236-00C6-5505-34E0916C50A6}"/>
+              </a:ext>
+            </a:extLst>
+          </p:cNvPr>
+          <p:cNvSpPr>
+            <a:spLocks noGrp="1"/>
+          </p:cNvSpPr>
+          <p:nvPr>
+            <p:ph type="title"/>
+          </p:nvPr>
+        </p:nvSpPr>
+        <p:spPr/>
+        <p:txBody>
+          <a:bodyPr/>
+          <a:lstStyle/>
+          <a:p>
+            <a:r>
+              <a:rPr lang="de-AT" dirty="0" err="1"/>
+              <a:t>Configuration</a:t>
+            </a:r>
+            <a:r>
+              <a:rPr lang="de-AT" dirty="0"/>
+              <a:t> Properties</a:t>
+            </a:r>
+          </a:p>
+        </p:txBody>
+      </p:sp>
+      <p:sp>
+        <p:nvSpPr>
+          <p:cNvPr id="3" name="Inhaltsplatzhalter 2">
+            <a:extLst>
+              <a:ext uri="{FF2B5EF4-FFF2-40B4-BE49-F238E27FC236}">
+                <a16:creationId xmlns:a16="http://schemas.microsoft.com/office/drawing/2014/main" id="{740B1142-43EC-CD92-3E5B-27435A7B9EBE}"/>
+              </a:ext>
+            </a:extLst>
+          </p:cNvPr>
+          <p:cNvSpPr>
+            <a:spLocks noGrp="1"/>
+          </p:cNvSpPr>
+          <p:nvPr>
+            <p:ph idx="1"/>
+          </p:nvPr>
+        </p:nvSpPr>
+        <p:spPr/>
+        <p:txBody>
+          <a:bodyPr/>
+          <a:lstStyle/>
+          <a:p>
+            <a:r>
+              <a:rPr lang="de-AT" dirty="0"/>
+              <a:t>Verschiedene, </a:t>
+            </a:r>
+            <a:r>
+              <a:rPr lang="de-AT" dirty="0" err="1"/>
+              <a:t>priorisierbare</a:t>
+            </a:r>
+            <a:r>
+              <a:rPr lang="de-AT" dirty="0"/>
+              <a:t> Quellen</a:t>
+            </a:r>
+          </a:p>
+          <a:p>
+            <a:pPr lvl="1"/>
+            <a:r>
+              <a:rPr lang="de-AT" dirty="0"/>
+              <a:t>System Properties</a:t>
+            </a:r>
+          </a:p>
+          <a:p>
+            <a:pPr lvl="1"/>
+            <a:r>
+              <a:rPr lang="de-AT" dirty="0"/>
+              <a:t>Umgebungsvariablen (</a:t>
+            </a:r>
+            <a:r>
+              <a:rPr lang="de-AT" dirty="0" err="1"/>
+              <a:t>Env</a:t>
+            </a:r>
+            <a:r>
+              <a:rPr lang="de-AT" dirty="0"/>
+              <a:t> </a:t>
+            </a:r>
+            <a:r>
+              <a:rPr lang="de-AT" dirty="0" err="1"/>
+              <a:t>Vars</a:t>
+            </a:r>
+            <a:r>
+              <a:rPr lang="de-AT" dirty="0"/>
+              <a:t>)</a:t>
+            </a:r>
+          </a:p>
+          <a:p>
+            <a:pPr lvl="1"/>
+            <a:r>
+              <a:rPr lang="de-AT" dirty="0"/>
+              <a:t>Konfigurationsdateien</a:t>
+            </a:r>
+          </a:p>
+          <a:p>
+            <a:r>
+              <a:rPr lang="de-AT" dirty="0"/>
+              <a:t>Daten immer als Key-Value-Pairs</a:t>
+            </a:r>
+          </a:p>
+          <a:p>
+            <a:pPr lvl="1"/>
+            <a:r>
+              <a:rPr lang="de-AT" dirty="0"/>
+              <a:t>Case sensitive Keys</a:t>
+            </a:r>
+          </a:p>
+          <a:p>
+            <a:r>
+              <a:rPr lang="de-AT" dirty="0"/>
+              <a:t>Alle Daten sind </a:t>
+            </a:r>
+            <a:r>
+              <a:rPr lang="de-AT" dirty="0" err="1"/>
+              <a:t>read-only</a:t>
+            </a:r>
+            <a:endParaRPr lang="de-AT" dirty="0"/>
+          </a:p>
+          <a:p>
+            <a:r>
+              <a:rPr lang="de-AT" dirty="0"/>
+              <a:t>Optional: Je nach Quelle, Daten </a:t>
+            </a:r>
+            <a:r>
+              <a:rPr lang="de-AT" dirty="0" err="1"/>
+              <a:t>neuladen</a:t>
+            </a:r>
+            <a:r>
+              <a:rPr lang="de-AT" dirty="0"/>
+              <a:t>/</a:t>
+            </a:r>
+            <a:r>
+              <a:rPr lang="de-AT" dirty="0" err="1"/>
+              <a:t>refreshen</a:t>
+            </a:r>
+            <a:endParaRPr lang="de-AT" dirty="0"/>
+          </a:p>
+        </p:txBody>
+      </p:sp>
+      <p:sp>
+        <p:nvSpPr>
+          <p:cNvPr id="4" name="Rechteck 3">
+            <a:extLst>
+              <a:ext uri="{FF2B5EF4-FFF2-40B4-BE49-F238E27FC236}">
+                <a16:creationId xmlns:a16="http://schemas.microsoft.com/office/drawing/2014/main" id="{CBFAD81C-5D82-3249-E3DE-1522CB05DCF3}"/>
+              </a:ext>
+            </a:extLst>
+          </p:cNvPr>
+          <p:cNvSpPr/>
+          <p:nvPr/>
+        </p:nvSpPr>
+        <p:spPr>
+          <a:xfrm>
+            <a:off x="6899219" y="621838"/>
+            <a:ext cx="605449" cy="733776"/>
+          </a:xfrm>
+          <a:prstGeom prst="rect">
+            <a:avLst/>
+          </a:prstGeom>
+          <a:solidFill>
+            <a:srgbClr val="FF0000"/>
+          </a:solidFill>
+          <a:ln>
+            <a:solidFill>
+              <a:srgbClr val="C00000"/>
+            </a:solidFill>
+          </a:ln>
+        </p:spPr>
+        <p:style>
+          <a:lnRef idx="2">
+            <a:schemeClr val="accent1">
+              <a:shade val="50000"/>
+            </a:schemeClr>
+          </a:lnRef>
+          <a:fillRef idx="1">
+            <a:schemeClr val="accent1"/>
+          </a:fillRef>
+          <a:effectRef idx="0">
+            <a:schemeClr val="accent1"/>
+          </a:effectRef>
+          <a:fontRef idx="minor">
+            <a:schemeClr val="lt1"/>
+          </a:fontRef>
+        </p:style>
+        <p:txBody>
+          <a:bodyPr rtlCol="0" anchor="ctr"/>
+          <a:lstStyle/>
+          <a:p>
+            <a:pPr algn="ctr"/>
+            <a:r>
+              <a:rPr lang="de-AT" dirty="0"/>
+              <a:t>6</a:t>
+            </a:r>
+          </a:p>
+        </p:txBody>
+      </p:sp>
+    </p:spTree>
+    <p:extLst>
+      <p:ext uri="{BB962C8B-B14F-4D97-AF65-F5344CB8AC3E}">
+        <p14:creationId xmlns:p14="http://schemas.microsoft.com/office/powerpoint/2010/main" val="3580412609"/>
       </p:ext>
     </p:extLst>
   </p:cSld>
